--- a/Reports/L4/Presentation/Presentation.pptx
+++ b/Reports/L4/Presentation/Presentation.pptx
@@ -201,7 +201,7 @@
             <a:fld id="{82C413D5-2397-4DE5-A12F-038958E441CC}" type="datetimeFigureOut">
               <a:rPr lang="sv-SE" smtClean="0"/>
               <a:pPr/>
-              <a:t>2012-05-23</a:t>
+              <a:t>2012-05-24</a:t>
             </a:fld>
             <a:endParaRPr lang="sv-SE"/>
           </a:p>
@@ -1126,7 +1126,7 @@
             <a:fld id="{48036B8D-F5FA-4E79-90C4-629FF68B0EB9}" type="datetimeFigureOut">
               <a:rPr lang="sv-SE" smtClean="0"/>
               <a:pPr/>
-              <a:t>2012-05-23</a:t>
+              <a:t>2012-05-24</a:t>
             </a:fld>
             <a:endParaRPr lang="sv-SE"/>
           </a:p>
@@ -1311,7 +1311,7 @@
             <a:fld id="{48036B8D-F5FA-4E79-90C4-629FF68B0EB9}" type="datetimeFigureOut">
               <a:rPr lang="sv-SE" smtClean="0"/>
               <a:pPr/>
-              <a:t>2012-05-23</a:t>
+              <a:t>2012-05-24</a:t>
             </a:fld>
             <a:endParaRPr lang="sv-SE"/>
           </a:p>
@@ -1488,7 +1488,7 @@
             <a:fld id="{48036B8D-F5FA-4E79-90C4-629FF68B0EB9}" type="datetimeFigureOut">
               <a:rPr lang="sv-SE" smtClean="0"/>
               <a:pPr/>
-              <a:t>2012-05-23</a:t>
+              <a:t>2012-05-24</a:t>
             </a:fld>
             <a:endParaRPr lang="sv-SE"/>
           </a:p>
@@ -1655,7 +1655,7 @@
             <a:fld id="{48036B8D-F5FA-4E79-90C4-629FF68B0EB9}" type="datetimeFigureOut">
               <a:rPr lang="sv-SE" smtClean="0"/>
               <a:pPr/>
-              <a:t>2012-05-23</a:t>
+              <a:t>2012-05-24</a:t>
             </a:fld>
             <a:endParaRPr lang="sv-SE"/>
           </a:p>
@@ -1878,7 +1878,7 @@
             <a:fld id="{48036B8D-F5FA-4E79-90C4-629FF68B0EB9}" type="datetimeFigureOut">
               <a:rPr lang="sv-SE" smtClean="0"/>
               <a:pPr/>
-              <a:t>2012-05-23</a:t>
+              <a:t>2012-05-24</a:t>
             </a:fld>
             <a:endParaRPr lang="sv-SE"/>
           </a:p>
@@ -2139,7 +2139,7 @@
             <a:fld id="{48036B8D-F5FA-4E79-90C4-629FF68B0EB9}" type="datetimeFigureOut">
               <a:rPr lang="sv-SE" smtClean="0"/>
               <a:pPr/>
-              <a:t>2012-05-23</a:t>
+              <a:t>2012-05-24</a:t>
             </a:fld>
             <a:endParaRPr lang="sv-SE"/>
           </a:p>
@@ -2545,7 +2545,7 @@
             <a:fld id="{48036B8D-F5FA-4E79-90C4-629FF68B0EB9}" type="datetimeFigureOut">
               <a:rPr lang="sv-SE" smtClean="0"/>
               <a:pPr/>
-              <a:t>2012-05-23</a:t>
+              <a:t>2012-05-24</a:t>
             </a:fld>
             <a:endParaRPr lang="sv-SE"/>
           </a:p>
@@ -2678,7 +2678,7 @@
             <a:fld id="{48036B8D-F5FA-4E79-90C4-629FF68B0EB9}" type="datetimeFigureOut">
               <a:rPr lang="sv-SE" smtClean="0"/>
               <a:pPr/>
-              <a:t>2012-05-23</a:t>
+              <a:t>2012-05-24</a:t>
             </a:fld>
             <a:endParaRPr lang="sv-SE"/>
           </a:p>
@@ -2780,7 +2780,7 @@
             <a:fld id="{48036B8D-F5FA-4E79-90C4-629FF68B0EB9}" type="datetimeFigureOut">
               <a:rPr lang="sv-SE" smtClean="0"/>
               <a:pPr/>
-              <a:t>2012-05-23</a:t>
+              <a:t>2012-05-24</a:t>
             </a:fld>
             <a:endParaRPr lang="sv-SE"/>
           </a:p>
@@ -3027,7 +3027,7 @@
             <a:fld id="{48036B8D-F5FA-4E79-90C4-629FF68B0EB9}" type="datetimeFigureOut">
               <a:rPr lang="sv-SE" smtClean="0"/>
               <a:pPr/>
-              <a:t>2012-05-23</a:t>
+              <a:t>2012-05-24</a:t>
             </a:fld>
             <a:endParaRPr lang="sv-SE"/>
           </a:p>
@@ -3273,7 +3273,7 @@
             <a:fld id="{48036B8D-F5FA-4E79-90C4-629FF68B0EB9}" type="datetimeFigureOut">
               <a:rPr lang="sv-SE" smtClean="0"/>
               <a:pPr/>
-              <a:t>2012-05-23</a:t>
+              <a:t>2012-05-24</a:t>
             </a:fld>
             <a:endParaRPr lang="sv-SE"/>
           </a:p>
@@ -4099,7 +4099,7 @@
             <a:fld id="{48036B8D-F5FA-4E79-90C4-629FF68B0EB9}" type="datetimeFigureOut">
               <a:rPr lang="sv-SE" smtClean="0"/>
               <a:pPr/>
-              <a:t>2012-05-23</a:t>
+              <a:t>2012-05-24</a:t>
             </a:fld>
             <a:endParaRPr lang="sv-SE"/>
           </a:p>
@@ -4490,9 +4490,149 @@
           <a:chExt cx="0" cy="0"/>
         </a:xfrm>
       </p:grpSpPr>
+      <p:sp>
+        <p:nvSpPr>
+          <p:cNvPr id="3" name="TextBox 2"/>
+          <p:cNvSpPr txBox="1"/>
+          <p:nvPr/>
+        </p:nvSpPr>
+        <p:spPr>
+          <a:xfrm>
+            <a:off x="1643042" y="1928802"/>
+            <a:ext cx="5410455" cy="1446550"/>
+          </a:xfrm>
+          <a:prstGeom prst="rect">
+            <a:avLst/>
+          </a:prstGeom>
+          <a:noFill/>
+        </p:spPr>
+        <p:txBody>
+          <a:bodyPr wrap="none" rtlCol="0">
+            <a:spAutoFit/>
+          </a:bodyPr>
+          <a:lstStyle/>
+          <a:p>
+            <a:pPr algn="ctr"/>
+            <a:r>
+              <a:rPr lang="en-US" sz="4000" dirty="0" smtClean="0"/>
+              <a:t>L.O.S.T</a:t>
+            </a:r>
+          </a:p>
+          <a:p>
+            <a:pPr algn="ctr"/>
+            <a:r>
+              <a:rPr lang="en-US" sz="800" dirty="0" smtClean="0"/>
+              <a:t>Logically Oriented Software Technology</a:t>
+            </a:r>
+          </a:p>
+          <a:p>
+            <a:pPr algn="ctr"/>
+            <a:r>
+              <a:rPr lang="en-US" sz="4000" dirty="0" smtClean="0"/>
+              <a:t>a post mortem analysis</a:t>
+            </a:r>
+            <a:endParaRPr lang="en-US" sz="4000" dirty="0"/>
+          </a:p>
+        </p:txBody>
+      </p:sp>
+      <p:sp>
+        <p:nvSpPr>
+          <p:cNvPr id="4" name="TextBox 3"/>
+          <p:cNvSpPr txBox="1"/>
+          <p:nvPr/>
+        </p:nvSpPr>
+        <p:spPr>
+          <a:xfrm>
+            <a:off x="285720" y="5643578"/>
+            <a:ext cx="1425390" cy="1015663"/>
+          </a:xfrm>
+          <a:prstGeom prst="rect">
+            <a:avLst/>
+          </a:prstGeom>
+          <a:noFill/>
+        </p:spPr>
+        <p:txBody>
+          <a:bodyPr wrap="none" rtlCol="0">
+            <a:spAutoFit/>
+          </a:bodyPr>
+          <a:lstStyle/>
+          <a:p>
+            <a:r>
+              <a:rPr lang="sv-SE" sz="1200" dirty="0" smtClean="0"/>
+              <a:t>Rasmus Tilljander</a:t>
+            </a:r>
+          </a:p>
+          <a:p>
+            <a:r>
+              <a:rPr lang="sv-SE" sz="1200" dirty="0" smtClean="0"/>
+              <a:t>Erik Hörlin</a:t>
+            </a:r>
+          </a:p>
+          <a:p>
+            <a:r>
+              <a:rPr lang="sv-SE" sz="1200" dirty="0" smtClean="0"/>
+              <a:t>Kim Hansson</a:t>
+            </a:r>
+          </a:p>
+          <a:p>
+            <a:r>
+              <a:rPr lang="sv-SE" sz="1200" dirty="0" smtClean="0"/>
+              <a:t>Calle Ketola</a:t>
+            </a:r>
+          </a:p>
+          <a:p>
+            <a:endParaRPr lang="sv-SE" sz="1200" dirty="0"/>
+          </a:p>
+        </p:txBody>
+      </p:sp>
+      <p:sp>
+        <p:nvSpPr>
+          <p:cNvPr id="6" name="TextBox 5"/>
+          <p:cNvSpPr txBox="1"/>
+          <p:nvPr/>
+        </p:nvSpPr>
+        <p:spPr>
+          <a:xfrm>
+            <a:off x="4714876" y="5786454"/>
+            <a:ext cx="4237057" cy="646331"/>
+          </a:xfrm>
+          <a:prstGeom prst="rect">
+            <a:avLst/>
+          </a:prstGeom>
+          <a:noFill/>
+        </p:spPr>
+        <p:txBody>
+          <a:bodyPr wrap="none" rtlCol="0">
+            <a:spAutoFit/>
+          </a:bodyPr>
+          <a:lstStyle/>
+          <a:p>
+            <a:r>
+              <a:rPr lang="sv-SE" dirty="0" smtClean="0">
+                <a:latin typeface="Arial" pitchFamily="34" charset="0"/>
+                <a:cs typeface="Arial" pitchFamily="34" charset="0"/>
+              </a:rPr>
+              <a:t>DV1435</a:t>
+            </a:r>
+          </a:p>
+          <a:p>
+            <a:r>
+              <a:rPr lang="sv-SE" dirty="0" smtClean="0">
+                <a:latin typeface="Arial" pitchFamily="34" charset="0"/>
+                <a:cs typeface="Arial" pitchFamily="34" charset="0"/>
+              </a:rPr>
+              <a:t>Fördjupning i objektorienterade tekniker</a:t>
+            </a:r>
+            <a:endParaRPr lang="sv-SE" dirty="0">
+              <a:latin typeface="Arial" pitchFamily="34" charset="0"/>
+              <a:cs typeface="Arial" pitchFamily="34" charset="0"/>
+            </a:endParaRPr>
+          </a:p>
+        </p:txBody>
+      </p:sp>
       <p:pic>
         <p:nvPicPr>
-          <p:cNvPr id="2050" name="Picture 2" descr="\\filestorage1.bth.se\profile\rati10\Desktop\Keanu-Reeves-5.jpg"/>
+          <p:cNvPr id="2052" name="Picture 4" descr="\\filestorage1.bth.se\profile\rati10\Desktop\reeves\Pacman2.png"/>
           <p:cNvPicPr>
             <a:picLocks noChangeAspect="1" noChangeArrowheads="1"/>
           </p:cNvPicPr>
@@ -4507,8 +4647,8 @@
         </p:blipFill>
         <p:spPr bwMode="auto">
           <a:xfrm>
-            <a:off x="0" y="500042"/>
-            <a:ext cx="2571768" cy="3463661"/>
+            <a:off x="1714480" y="3429000"/>
+            <a:ext cx="5437522" cy="871535"/>
           </a:xfrm>
           <a:prstGeom prst="rect">
             <a:avLst/>
@@ -4516,6 +4656,38 @@
           <a:noFill/>
         </p:spPr>
       </p:pic>
+    </p:spTree>
+  </p:cSld>
+  <p:clrMapOvr>
+    <a:masterClrMapping/>
+  </p:clrMapOvr>
+  <p:timing>
+    <p:tnLst>
+      <p:par>
+        <p:cTn id="1" dur="indefinite" restart="never" nodeType="tmRoot"/>
+      </p:par>
+    </p:tnLst>
+  </p:timing>
+</p:sld>
+</file>
+
+<file path=ppt/slides/slide2.xml><?xml version="1.0" encoding="utf-8"?>
+<p:sld xmlns:a="http://schemas.openxmlformats.org/drawingml/2006/main" xmlns:r="http://schemas.openxmlformats.org/officeDocument/2006/relationships" xmlns:p="http://schemas.openxmlformats.org/presentationml/2006/main" show="0">
+  <p:cSld>
+    <p:spTree>
+      <p:nvGrpSpPr>
+        <p:cNvPr id="1" name=""/>
+        <p:cNvGrpSpPr/>
+        <p:nvPr/>
+      </p:nvGrpSpPr>
+      <p:grpSpPr>
+        <a:xfrm>
+          <a:off x="0" y="0"/>
+          <a:ext cx="0" cy="0"/>
+          <a:chOff x="0" y="0"/>
+          <a:chExt cx="0" cy="0"/>
+        </a:xfrm>
+      </p:grpSpPr>
       <p:sp>
         <p:nvSpPr>
           <p:cNvPr id="3" name="TextBox 2"/>
@@ -4524,8 +4696,8 @@
         </p:nvSpPr>
         <p:spPr>
           <a:xfrm>
-            <a:off x="3143240" y="2000240"/>
-            <a:ext cx="5410455" cy="1446550"/>
+            <a:off x="0" y="428604"/>
+            <a:ext cx="973343" cy="369332"/>
           </a:xfrm>
           <a:prstGeom prst="rect">
             <a:avLst/>
@@ -4538,89 +4710,49 @@
           </a:bodyPr>
           <a:lstStyle/>
           <a:p>
-            <a:pPr algn="ctr"/>
-            <a:r>
-              <a:rPr lang="en-US" sz="4000" dirty="0" smtClean="0"/>
-              <a:t>L.O.S.T</a:t>
-            </a:r>
-          </a:p>
-          <a:p>
-            <a:pPr algn="ctr"/>
-            <a:r>
-              <a:rPr lang="en-US" sz="800" dirty="0" smtClean="0"/>
-              <a:t>Logically Oriented Software Technology</a:t>
-            </a:r>
-          </a:p>
-          <a:p>
-            <a:pPr algn="ctr"/>
-            <a:r>
-              <a:rPr lang="en-US" sz="4000" dirty="0" smtClean="0"/>
-              <a:t>a post mortem analysis</a:t>
-            </a:r>
-            <a:endParaRPr lang="en-US" sz="4000" dirty="0"/>
-          </a:p>
-        </p:txBody>
-      </p:sp>
-      <p:sp>
-        <p:nvSpPr>
-          <p:cNvPr id="4" name="TextBox 3"/>
-          <p:cNvSpPr txBox="1"/>
+            <a:r>
+              <a:rPr lang="en-US" dirty="0" smtClean="0"/>
+              <a:t>Prequel</a:t>
+            </a:r>
+          </a:p>
+        </p:txBody>
+      </p:sp>
+      <p:pic>
+        <p:nvPicPr>
+          <p:cNvPr id="3074" name="Picture 2" descr="J:\FOOT_Pacman\Reports\L1\WBS.jpg"/>
+          <p:cNvPicPr>
+            <a:picLocks noChangeAspect="1" noChangeArrowheads="1"/>
+          </p:cNvPicPr>
           <p:nvPr/>
-        </p:nvSpPr>
-        <p:spPr>
-          <a:xfrm>
-            <a:off x="285720" y="5643578"/>
-            <a:ext cx="1425390" cy="1015663"/>
+        </p:nvPicPr>
+        <p:blipFill>
+          <a:blip r:embed="rId2"/>
+          <a:srcRect/>
+          <a:stretch>
+            <a:fillRect/>
+          </a:stretch>
+        </p:blipFill>
+        <p:spPr bwMode="auto">
+          <a:xfrm>
+            <a:off x="1714480" y="1142984"/>
+            <a:ext cx="5572164" cy="5420746"/>
           </a:xfrm>
           <a:prstGeom prst="rect">
             <a:avLst/>
           </a:prstGeom>
           <a:noFill/>
         </p:spPr>
-        <p:txBody>
-          <a:bodyPr wrap="none" rtlCol="0">
-            <a:spAutoFit/>
-          </a:bodyPr>
-          <a:lstStyle/>
-          <a:p>
-            <a:r>
-              <a:rPr lang="sv-SE" sz="1200" dirty="0" smtClean="0"/>
-              <a:t>Rasmus Tilljander</a:t>
-            </a:r>
-          </a:p>
-          <a:p>
-            <a:r>
-              <a:rPr lang="sv-SE" sz="1200" dirty="0" smtClean="0"/>
-              <a:t>Erik Hörlin</a:t>
-            </a:r>
-          </a:p>
-          <a:p>
-            <a:r>
-              <a:rPr lang="sv-SE" sz="1200" dirty="0" smtClean="0"/>
-              <a:t>Kim Hansson</a:t>
-            </a:r>
-          </a:p>
-          <a:p>
-            <a:r>
-              <a:rPr lang="sv-SE" sz="1200" dirty="0" smtClean="0"/>
-              <a:t>Calle Ketola</a:t>
-            </a:r>
-          </a:p>
-          <a:p>
-            <a:endParaRPr lang="sv-SE" sz="1200" dirty="0"/>
-          </a:p>
-        </p:txBody>
-      </p:sp>
-      <p:sp>
-        <p:nvSpPr>
-          <p:cNvPr id="6" name="TextBox 5"/>
+      </p:pic>
+      <p:sp>
+        <p:nvSpPr>
+          <p:cNvPr id="5" name="TextBox 4"/>
           <p:cNvSpPr txBox="1"/>
           <p:nvPr/>
         </p:nvSpPr>
         <p:spPr>
           <a:xfrm>
-            <a:off x="4714876" y="5786454"/>
-            <a:ext cx="4237057" cy="646331"/>
+            <a:off x="2571736" y="642918"/>
+            <a:ext cx="2031325" cy="646331"/>
           </a:xfrm>
           <a:prstGeom prst="rect">
             <a:avLst/>
@@ -4634,31 +4766,114 @@
           <a:lstStyle/>
           <a:p>
             <a:r>
-              <a:rPr lang="sv-SE" dirty="0" smtClean="0">
-                <a:latin typeface="Arial" pitchFamily="34" charset="0"/>
-                <a:cs typeface="Arial" pitchFamily="34" charset="0"/>
-              </a:rPr>
-              <a:t>DV1435</a:t>
-            </a:r>
-          </a:p>
-          <a:p>
-            <a:r>
-              <a:rPr lang="sv-SE" dirty="0" smtClean="0">
-                <a:latin typeface="Arial" pitchFamily="34" charset="0"/>
-                <a:cs typeface="Arial" pitchFamily="34" charset="0"/>
-              </a:rPr>
-              <a:t>Fördjupning i objektorienterade tekniker</a:t>
-            </a:r>
-            <a:endParaRPr lang="sv-SE" dirty="0">
-              <a:latin typeface="Arial" pitchFamily="34" charset="0"/>
-              <a:cs typeface="Arial" pitchFamily="34" charset="0"/>
-            </a:endParaRPr>
+              <a:rPr lang="sv-SE" dirty="0" smtClean="0"/>
+              <a:t>First WBS version</a:t>
+            </a:r>
+          </a:p>
+          <a:p>
+            <a:endParaRPr lang="sv-SE" dirty="0"/>
+          </a:p>
+        </p:txBody>
+      </p:sp>
+    </p:spTree>
+  </p:cSld>
+  <p:clrMapOvr>
+    <a:masterClrMapping/>
+  </p:clrMapOvr>
+  <p:transition/>
+  <p:timing>
+    <p:tnLst>
+      <p:par>
+        <p:cTn id="1" dur="indefinite" restart="never" nodeType="tmRoot"/>
+      </p:par>
+    </p:tnLst>
+  </p:timing>
+</p:sld>
+</file>
+
+<file path=ppt/slides/slide3.xml><?xml version="1.0" encoding="utf-8"?>
+<p:sld xmlns:a="http://schemas.openxmlformats.org/drawingml/2006/main" xmlns:r="http://schemas.openxmlformats.org/officeDocument/2006/relationships" xmlns:p="http://schemas.openxmlformats.org/presentationml/2006/main">
+  <p:cSld>
+    <p:spTree>
+      <p:nvGrpSpPr>
+        <p:cNvPr id="1" name=""/>
+        <p:cNvGrpSpPr/>
+        <p:nvPr/>
+      </p:nvGrpSpPr>
+      <p:grpSpPr>
+        <a:xfrm>
+          <a:off x="0" y="0"/>
+          <a:ext cx="0" cy="0"/>
+          <a:chOff x="0" y="0"/>
+          <a:chExt cx="0" cy="0"/>
+        </a:xfrm>
+      </p:grpSpPr>
+      <p:sp>
+        <p:nvSpPr>
+          <p:cNvPr id="2" name="TextBox 1"/>
+          <p:cNvSpPr txBox="1"/>
+          <p:nvPr/>
+        </p:nvSpPr>
+        <p:spPr>
+          <a:xfrm>
+            <a:off x="5677535" y="853843"/>
+            <a:ext cx="2037737" cy="646331"/>
+          </a:xfrm>
+          <a:prstGeom prst="rect">
+            <a:avLst/>
+          </a:prstGeom>
+          <a:noFill/>
+        </p:spPr>
+        <p:txBody>
+          <a:bodyPr wrap="none" rtlCol="0">
+            <a:spAutoFit/>
+          </a:bodyPr>
+          <a:lstStyle/>
+          <a:p>
+            <a:r>
+              <a:rPr lang="sv-SE" dirty="0" smtClean="0"/>
+              <a:t>Final </a:t>
+            </a:r>
+            <a:r>
+              <a:rPr lang="sv-SE" dirty="0" err="1" smtClean="0"/>
+              <a:t>Architecture</a:t>
+            </a:r>
+            <a:endParaRPr lang="sv-SE" dirty="0" smtClean="0"/>
+          </a:p>
+          <a:p>
+            <a:endParaRPr lang="sv-SE" dirty="0"/>
           </a:p>
         </p:txBody>
       </p:sp>
       <p:pic>
         <p:nvPicPr>
-          <p:cNvPr id="2052" name="Picture 4" descr="\\filestorage1.bth.se\profile\rati10\Desktop\reeves\Pacman2.png"/>
+          <p:cNvPr id="30722" name="Picture 2" descr="J:\FOOT_Pacman\Reports\L4\Architecture.png"/>
+          <p:cNvPicPr>
+            <a:picLocks noChangeAspect="1" noChangeArrowheads="1"/>
+          </p:cNvPicPr>
+          <p:nvPr/>
+        </p:nvPicPr>
+        <p:blipFill>
+          <a:blip r:embed="rId2"/>
+          <a:srcRect/>
+          <a:stretch>
+            <a:fillRect/>
+          </a:stretch>
+        </p:blipFill>
+        <p:spPr bwMode="auto">
+          <a:xfrm>
+            <a:off x="4572000" y="1294046"/>
+            <a:ext cx="4078288" cy="5058920"/>
+          </a:xfrm>
+          <a:prstGeom prst="rect">
+            <a:avLst/>
+          </a:prstGeom>
+          <a:noFill/>
+        </p:spPr>
+      </p:pic>
+      <p:pic>
+        <p:nvPicPr>
+          <p:cNvPr id="30723" name="Picture 3" descr="J:\FOOT_Pacman\Reports\L1\Architecture.png"/>
           <p:cNvPicPr>
             <a:picLocks noChangeAspect="1" noChangeArrowheads="1"/>
           </p:cNvPicPr>
@@ -4673,8 +4888,8 @@
         </p:blipFill>
         <p:spPr bwMode="auto">
           <a:xfrm>
-            <a:off x="3214678" y="3500438"/>
-            <a:ext cx="5437522" cy="871535"/>
+            <a:off x="428596" y="1285860"/>
+            <a:ext cx="3916105" cy="4768858"/>
           </a:xfrm>
           <a:prstGeom prst="rect">
             <a:avLst/>
@@ -4682,6 +4897,40 @@
           <a:noFill/>
         </p:spPr>
       </p:pic>
+      <p:sp>
+        <p:nvSpPr>
+          <p:cNvPr id="5" name="TextBox 4"/>
+          <p:cNvSpPr txBox="1"/>
+          <p:nvPr/>
+        </p:nvSpPr>
+        <p:spPr>
+          <a:xfrm>
+            <a:off x="1428728" y="845090"/>
+            <a:ext cx="1992853" cy="369332"/>
+          </a:xfrm>
+          <a:prstGeom prst="rect">
+            <a:avLst/>
+          </a:prstGeom>
+          <a:noFill/>
+        </p:spPr>
+        <p:txBody>
+          <a:bodyPr wrap="none" rtlCol="0">
+            <a:spAutoFit/>
+          </a:bodyPr>
+          <a:lstStyle/>
+          <a:p>
+            <a:r>
+              <a:rPr lang="sv-SE" dirty="0" smtClean="0"/>
+              <a:t>First </a:t>
+            </a:r>
+            <a:r>
+              <a:rPr lang="sv-SE" dirty="0" err="1" smtClean="0"/>
+              <a:t>Architecture</a:t>
+            </a:r>
+            <a:endParaRPr lang="sv-SE" dirty="0"/>
+          </a:p>
+        </p:txBody>
+      </p:sp>
     </p:spTree>
   </p:cSld>
   <p:clrMapOvr>
@@ -4708,271 +4957,7 @@
                             </p:stCondLst>
                             <p:childTnLst>
                               <p:par>
-                                <p:cTn id="5" presetID="2" presetClass="exit" presetSubtype="8" fill="hold" nodeType="clickEffect">
-                                  <p:stCondLst>
-                                    <p:cond delay="0"/>
-                                  </p:stCondLst>
-                                  <p:childTnLst>
-                                    <p:anim calcmode="lin" valueType="num">
-                                      <p:cBhvr additive="base">
-                                        <p:cTn id="6" dur="500"/>
-                                        <p:tgtEl>
-                                          <p:spTgt spid="2050"/>
-                                        </p:tgtEl>
-                                        <p:attrNameLst>
-                                          <p:attrName>ppt_x</p:attrName>
-                                        </p:attrNameLst>
-                                      </p:cBhvr>
-                                      <p:tavLst>
-                                        <p:tav tm="0">
-                                          <p:val>
-                                            <p:strVal val="ppt_x"/>
-                                          </p:val>
-                                        </p:tav>
-                                        <p:tav tm="100000">
-                                          <p:val>
-                                            <p:strVal val="0-ppt_w/2"/>
-                                          </p:val>
-                                        </p:tav>
-                                      </p:tavLst>
-                                    </p:anim>
-                                    <p:anim calcmode="lin" valueType="num">
-                                      <p:cBhvr additive="base">
-                                        <p:cTn id="7" dur="500"/>
-                                        <p:tgtEl>
-                                          <p:spTgt spid="2050"/>
-                                        </p:tgtEl>
-                                        <p:attrNameLst>
-                                          <p:attrName>ppt_y</p:attrName>
-                                        </p:attrNameLst>
-                                      </p:cBhvr>
-                                      <p:tavLst>
-                                        <p:tav tm="0">
-                                          <p:val>
-                                            <p:strVal val="ppt_y"/>
-                                          </p:val>
-                                        </p:tav>
-                                        <p:tav tm="100000">
-                                          <p:val>
-                                            <p:strVal val="ppt_y"/>
-                                          </p:val>
-                                        </p:tav>
-                                      </p:tavLst>
-                                    </p:anim>
-                                    <p:set>
-                                      <p:cBhvr>
-                                        <p:cTn id="8" dur="1" fill="hold">
-                                          <p:stCondLst>
-                                            <p:cond delay="499"/>
-                                          </p:stCondLst>
-                                        </p:cTn>
-                                        <p:tgtEl>
-                                          <p:spTgt spid="2050"/>
-                                        </p:tgtEl>
-                                        <p:attrNameLst>
-                                          <p:attrName>style.visibility</p:attrName>
-                                        </p:attrNameLst>
-                                      </p:cBhvr>
-                                      <p:to>
-                                        <p:strVal val="hidden"/>
-                                      </p:to>
-                                    </p:set>
-                                  </p:childTnLst>
-                                </p:cTn>
-                              </p:par>
-                            </p:childTnLst>
-                          </p:cTn>
-                        </p:par>
-                      </p:childTnLst>
-                    </p:cTn>
-                  </p:par>
-                </p:childTnLst>
-              </p:cTn>
-              <p:prevCondLst>
-                <p:cond evt="onPrev" delay="0">
-                  <p:tgtEl>
-                    <p:sldTgt/>
-                  </p:tgtEl>
-                </p:cond>
-              </p:prevCondLst>
-              <p:nextCondLst>
-                <p:cond evt="onNext" delay="0">
-                  <p:tgtEl>
-                    <p:sldTgt/>
-                  </p:tgtEl>
-                </p:cond>
-              </p:nextCondLst>
-            </p:seq>
-          </p:childTnLst>
-        </p:cTn>
-      </p:par>
-    </p:tnLst>
-  </p:timing>
-</p:sld>
-</file>
-
-<file path=ppt/slides/slide2.xml><?xml version="1.0" encoding="utf-8"?>
-<p:sld xmlns:a="http://schemas.openxmlformats.org/drawingml/2006/main" xmlns:r="http://schemas.openxmlformats.org/officeDocument/2006/relationships" xmlns:p="http://schemas.openxmlformats.org/presentationml/2006/main">
-  <p:cSld>
-    <p:spTree>
-      <p:nvGrpSpPr>
-        <p:cNvPr id="1" name=""/>
-        <p:cNvGrpSpPr/>
-        <p:nvPr/>
-      </p:nvGrpSpPr>
-      <p:grpSpPr>
-        <a:xfrm>
-          <a:off x="0" y="0"/>
-          <a:ext cx="0" cy="0"/>
-          <a:chOff x="0" y="0"/>
-          <a:chExt cx="0" cy="0"/>
-        </a:xfrm>
-      </p:grpSpPr>
-      <p:sp>
-        <p:nvSpPr>
-          <p:cNvPr id="3" name="TextBox 2"/>
-          <p:cNvSpPr txBox="1"/>
-          <p:nvPr/>
-        </p:nvSpPr>
-        <p:spPr>
-          <a:xfrm>
-            <a:off x="0" y="428604"/>
-            <a:ext cx="973343" cy="369332"/>
-          </a:xfrm>
-          <a:prstGeom prst="rect">
-            <a:avLst/>
-          </a:prstGeom>
-          <a:noFill/>
-        </p:spPr>
-        <p:txBody>
-          <a:bodyPr wrap="none" rtlCol="0">
-            <a:spAutoFit/>
-          </a:bodyPr>
-          <a:lstStyle/>
-          <a:p>
-            <a:r>
-              <a:rPr lang="en-US" dirty="0" smtClean="0"/>
-              <a:t>Prequel</a:t>
-            </a:r>
-            <a:endParaRPr lang="en-US" dirty="0" smtClean="0"/>
-          </a:p>
-        </p:txBody>
-      </p:sp>
-      <p:pic>
-        <p:nvPicPr>
-          <p:cNvPr id="3074" name="Picture 2" descr="J:\FOOT_Pacman\Reports\L1\WBS.jpg"/>
-          <p:cNvPicPr>
-            <a:picLocks noChangeAspect="1" noChangeArrowheads="1"/>
-          </p:cNvPicPr>
-          <p:nvPr/>
-        </p:nvPicPr>
-        <p:blipFill>
-          <a:blip r:embed="rId2"/>
-          <a:srcRect/>
-          <a:stretch>
-            <a:fillRect/>
-          </a:stretch>
-        </p:blipFill>
-        <p:spPr bwMode="auto">
-          <a:xfrm>
-            <a:off x="285720" y="1142984"/>
-            <a:ext cx="5572164" cy="5420746"/>
-          </a:xfrm>
-          <a:prstGeom prst="rect">
-            <a:avLst/>
-          </a:prstGeom>
-          <a:noFill/>
-        </p:spPr>
-      </p:pic>
-      <p:sp>
-        <p:nvSpPr>
-          <p:cNvPr id="5" name="TextBox 4"/>
-          <p:cNvSpPr txBox="1"/>
-          <p:nvPr/>
-        </p:nvSpPr>
-        <p:spPr>
-          <a:xfrm>
-            <a:off x="6357950" y="2928934"/>
-            <a:ext cx="2031325" cy="646331"/>
-          </a:xfrm>
-          <a:prstGeom prst="rect">
-            <a:avLst/>
-          </a:prstGeom>
-          <a:noFill/>
-        </p:spPr>
-        <p:txBody>
-          <a:bodyPr wrap="none" rtlCol="0">
-            <a:spAutoFit/>
-          </a:bodyPr>
-          <a:lstStyle/>
-          <a:p>
-            <a:r>
-              <a:rPr lang="sv-SE" dirty="0" smtClean="0"/>
-              <a:t>First WBS version</a:t>
-            </a:r>
-          </a:p>
-          <a:p>
-            <a:endParaRPr lang="sv-SE" dirty="0"/>
-          </a:p>
-        </p:txBody>
-      </p:sp>
-      <p:pic>
-        <p:nvPicPr>
-          <p:cNvPr id="6" name="Picture 2" descr="\\filestorage1.bth.se\profile\rati10\Desktop\Keanu-Reeves-5.jpg"/>
-          <p:cNvPicPr>
-            <a:picLocks noChangeAspect="1" noChangeArrowheads="1"/>
-          </p:cNvPicPr>
-          <p:nvPr/>
-        </p:nvPicPr>
-        <p:blipFill>
-          <a:blip r:embed="rId3"/>
-          <a:srcRect/>
-          <a:stretch>
-            <a:fillRect/>
-          </a:stretch>
-        </p:blipFill>
-        <p:spPr bwMode="auto">
-          <a:xfrm>
-            <a:off x="6072198" y="3394339"/>
-            <a:ext cx="2571768" cy="3463661"/>
-          </a:xfrm>
-          <a:prstGeom prst="rect">
-            <a:avLst/>
-          </a:prstGeom>
-          <a:noFill/>
-        </p:spPr>
-      </p:pic>
-    </p:spTree>
-  </p:cSld>
-  <p:clrMapOvr>
-    <a:masterClrMapping/>
-  </p:clrMapOvr>
-  <p:transition/>
-  <p:timing>
-    <p:tnLst>
-      <p:par>
-        <p:cTn id="1" dur="indefinite" restart="never" nodeType="tmRoot">
-          <p:childTnLst>
-            <p:seq concurrent="1" nextAc="seek">
-              <p:cTn id="2" dur="indefinite" nodeType="mainSeq">
-                <p:childTnLst>
-                  <p:par>
-                    <p:cTn id="3" fill="hold">
-                      <p:stCondLst>
-                        <p:cond delay="indefinite"/>
-                        <p:cond evt="onBegin" delay="0">
-                          <p:tn val="2"/>
-                        </p:cond>
-                      </p:stCondLst>
-                      <p:childTnLst>
-                        <p:par>
-                          <p:cTn id="4" fill="hold">
-                            <p:stCondLst>
-                              <p:cond delay="0"/>
-                            </p:stCondLst>
-                            <p:childTnLst>
-                              <p:par>
-                                <p:cTn id="5" presetID="2" presetClass="entr" presetSubtype="2" fill="hold" nodeType="withEffect">
+                                <p:cTn id="5" presetID="1" presetClass="entr" presetSubtype="0" fill="hold" nodeType="clickEffect">
                                   <p:stCondLst>
                                     <p:cond delay="0"/>
                                   </p:stCondLst>
@@ -4980,558 +4965,6 @@
                                     <p:set>
                                       <p:cBhvr>
                                         <p:cTn id="6" dur="1" fill="hold">
-                                          <p:stCondLst>
-                                            <p:cond delay="0"/>
-                                          </p:stCondLst>
-                                        </p:cTn>
-                                        <p:tgtEl>
-                                          <p:spTgt spid="6"/>
-                                        </p:tgtEl>
-                                        <p:attrNameLst>
-                                          <p:attrName>style.visibility</p:attrName>
-                                        </p:attrNameLst>
-                                      </p:cBhvr>
-                                      <p:to>
-                                        <p:strVal val="visible"/>
-                                      </p:to>
-                                    </p:set>
-                                    <p:anim calcmode="lin" valueType="num">
-                                      <p:cBhvr additive="base">
-                                        <p:cTn id="7" dur="1000" fill="hold"/>
-                                        <p:tgtEl>
-                                          <p:spTgt spid="6"/>
-                                        </p:tgtEl>
-                                        <p:attrNameLst>
-                                          <p:attrName>ppt_x</p:attrName>
-                                        </p:attrNameLst>
-                                      </p:cBhvr>
-                                      <p:tavLst>
-                                        <p:tav tm="0">
-                                          <p:val>
-                                            <p:strVal val="1+#ppt_w/2"/>
-                                          </p:val>
-                                        </p:tav>
-                                        <p:tav tm="100000">
-                                          <p:val>
-                                            <p:strVal val="#ppt_x"/>
-                                          </p:val>
-                                        </p:tav>
-                                      </p:tavLst>
-                                    </p:anim>
-                                    <p:anim calcmode="lin" valueType="num">
-                                      <p:cBhvr additive="base">
-                                        <p:cTn id="8" dur="1000" fill="hold"/>
-                                        <p:tgtEl>
-                                          <p:spTgt spid="6"/>
-                                        </p:tgtEl>
-                                        <p:attrNameLst>
-                                          <p:attrName>ppt_y</p:attrName>
-                                        </p:attrNameLst>
-                                      </p:cBhvr>
-                                      <p:tavLst>
-                                        <p:tav tm="0">
-                                          <p:val>
-                                            <p:strVal val="#ppt_y"/>
-                                          </p:val>
-                                        </p:tav>
-                                        <p:tav tm="100000">
-                                          <p:val>
-                                            <p:strVal val="#ppt_y"/>
-                                          </p:val>
-                                        </p:tav>
-                                      </p:tavLst>
-                                    </p:anim>
-                                  </p:childTnLst>
-                                </p:cTn>
-                              </p:par>
-                            </p:childTnLst>
-                          </p:cTn>
-                        </p:par>
-                        <p:par>
-                          <p:cTn id="9" fill="hold">
-                            <p:stCondLst>
-                              <p:cond delay="1000"/>
-                            </p:stCondLst>
-                            <p:childTnLst>
-                              <p:par>
-                                <p:cTn id="10" presetID="8" presetClass="emph" presetSubtype="0" fill="hold" nodeType="afterEffect">
-                                  <p:stCondLst>
-                                    <p:cond delay="0"/>
-                                  </p:stCondLst>
-                                  <p:childTnLst>
-                                    <p:animRot by="21600000">
-                                      <p:cBhvr>
-                                        <p:cTn id="11" dur="1000" fill="hold"/>
-                                        <p:tgtEl>
-                                          <p:spTgt spid="6"/>
-                                        </p:tgtEl>
-                                        <p:attrNameLst>
-                                          <p:attrName>r</p:attrName>
-                                        </p:attrNameLst>
-                                      </p:cBhvr>
-                                    </p:animRot>
-                                  </p:childTnLst>
-                                </p:cTn>
-                              </p:par>
-                              <p:par>
-                                <p:cTn id="12" presetID="2" presetClass="exit" presetSubtype="4" fill="hold" nodeType="withEffect">
-                                  <p:stCondLst>
-                                    <p:cond delay="0"/>
-                                  </p:stCondLst>
-                                  <p:childTnLst>
-                                    <p:anim calcmode="lin" valueType="num">
-                                      <p:cBhvr additive="base">
-                                        <p:cTn id="13" dur="1000"/>
-                                        <p:tgtEl>
-                                          <p:spTgt spid="6"/>
-                                        </p:tgtEl>
-                                        <p:attrNameLst>
-                                          <p:attrName>ppt_x</p:attrName>
-                                        </p:attrNameLst>
-                                      </p:cBhvr>
-                                      <p:tavLst>
-                                        <p:tav tm="0">
-                                          <p:val>
-                                            <p:strVal val="ppt_x"/>
-                                          </p:val>
-                                        </p:tav>
-                                        <p:tav tm="100000">
-                                          <p:val>
-                                            <p:strVal val="ppt_x"/>
-                                          </p:val>
-                                        </p:tav>
-                                      </p:tavLst>
-                                    </p:anim>
-                                    <p:anim calcmode="lin" valueType="num">
-                                      <p:cBhvr additive="base">
-                                        <p:cTn id="14" dur="1000"/>
-                                        <p:tgtEl>
-                                          <p:spTgt spid="6"/>
-                                        </p:tgtEl>
-                                        <p:attrNameLst>
-                                          <p:attrName>ppt_y</p:attrName>
-                                        </p:attrNameLst>
-                                      </p:cBhvr>
-                                      <p:tavLst>
-                                        <p:tav tm="0">
-                                          <p:val>
-                                            <p:strVal val="ppt_y"/>
-                                          </p:val>
-                                        </p:tav>
-                                        <p:tav tm="100000">
-                                          <p:val>
-                                            <p:strVal val="1+ppt_h/2"/>
-                                          </p:val>
-                                        </p:tav>
-                                      </p:tavLst>
-                                    </p:anim>
-                                    <p:set>
-                                      <p:cBhvr>
-                                        <p:cTn id="15" dur="1" fill="hold">
-                                          <p:stCondLst>
-                                            <p:cond delay="999"/>
-                                          </p:stCondLst>
-                                        </p:cTn>
-                                        <p:tgtEl>
-                                          <p:spTgt spid="6"/>
-                                        </p:tgtEl>
-                                        <p:attrNameLst>
-                                          <p:attrName>style.visibility</p:attrName>
-                                        </p:attrNameLst>
-                                      </p:cBhvr>
-                                      <p:to>
-                                        <p:strVal val="hidden"/>
-                                      </p:to>
-                                    </p:set>
-                                  </p:childTnLst>
-                                </p:cTn>
-                              </p:par>
-                            </p:childTnLst>
-                          </p:cTn>
-                        </p:par>
-                      </p:childTnLst>
-                    </p:cTn>
-                  </p:par>
-                </p:childTnLst>
-              </p:cTn>
-              <p:prevCondLst>
-                <p:cond evt="onPrev" delay="0">
-                  <p:tgtEl>
-                    <p:sldTgt/>
-                  </p:tgtEl>
-                </p:cond>
-              </p:prevCondLst>
-              <p:nextCondLst>
-                <p:cond evt="onNext" delay="0">
-                  <p:tgtEl>
-                    <p:sldTgt/>
-                  </p:tgtEl>
-                </p:cond>
-              </p:nextCondLst>
-            </p:seq>
-          </p:childTnLst>
-        </p:cTn>
-      </p:par>
-    </p:tnLst>
-  </p:timing>
-</p:sld>
-</file>
-
-<file path=ppt/slides/slide3.xml><?xml version="1.0" encoding="utf-8"?>
-<p:sld xmlns:a="http://schemas.openxmlformats.org/drawingml/2006/main" xmlns:r="http://schemas.openxmlformats.org/officeDocument/2006/relationships" xmlns:p="http://schemas.openxmlformats.org/presentationml/2006/main">
-  <p:cSld>
-    <p:spTree>
-      <p:nvGrpSpPr>
-        <p:cNvPr id="1" name=""/>
-        <p:cNvGrpSpPr/>
-        <p:nvPr/>
-      </p:nvGrpSpPr>
-      <p:grpSpPr>
-        <a:xfrm>
-          <a:off x="0" y="0"/>
-          <a:ext cx="0" cy="0"/>
-          <a:chOff x="0" y="0"/>
-          <a:chExt cx="0" cy="0"/>
-        </a:xfrm>
-      </p:grpSpPr>
-      <p:sp>
-        <p:nvSpPr>
-          <p:cNvPr id="2" name="TextBox 1"/>
-          <p:cNvSpPr txBox="1"/>
-          <p:nvPr/>
-        </p:nvSpPr>
-        <p:spPr>
-          <a:xfrm>
-            <a:off x="5677535" y="853843"/>
-            <a:ext cx="2037737" cy="646331"/>
-          </a:xfrm>
-          <a:prstGeom prst="rect">
-            <a:avLst/>
-          </a:prstGeom>
-          <a:noFill/>
-        </p:spPr>
-        <p:txBody>
-          <a:bodyPr wrap="none" rtlCol="0">
-            <a:spAutoFit/>
-          </a:bodyPr>
-          <a:lstStyle/>
-          <a:p>
-            <a:r>
-              <a:rPr lang="sv-SE" dirty="0" smtClean="0"/>
-              <a:t>Final </a:t>
-            </a:r>
-            <a:r>
-              <a:rPr lang="sv-SE" dirty="0" err="1" smtClean="0"/>
-              <a:t>Architecture</a:t>
-            </a:r>
-            <a:endParaRPr lang="sv-SE" dirty="0" smtClean="0"/>
-          </a:p>
-          <a:p>
-            <a:endParaRPr lang="sv-SE" dirty="0"/>
-          </a:p>
-        </p:txBody>
-      </p:sp>
-      <p:pic>
-        <p:nvPicPr>
-          <p:cNvPr id="30722" name="Picture 2" descr="J:\FOOT_Pacman\Reports\L4\Architecture.png"/>
-          <p:cNvPicPr>
-            <a:picLocks noChangeAspect="1" noChangeArrowheads="1"/>
-          </p:cNvPicPr>
-          <p:nvPr/>
-        </p:nvPicPr>
-        <p:blipFill>
-          <a:blip r:embed="rId2"/>
-          <a:srcRect/>
-          <a:stretch>
-            <a:fillRect/>
-          </a:stretch>
-        </p:blipFill>
-        <p:spPr bwMode="auto">
-          <a:xfrm>
-            <a:off x="4572000" y="1294046"/>
-            <a:ext cx="4078288" cy="5058920"/>
-          </a:xfrm>
-          <a:prstGeom prst="rect">
-            <a:avLst/>
-          </a:prstGeom>
-          <a:noFill/>
-        </p:spPr>
-      </p:pic>
-      <p:pic>
-        <p:nvPicPr>
-          <p:cNvPr id="30723" name="Picture 3" descr="J:\FOOT_Pacman\Reports\L1\Architecture.png"/>
-          <p:cNvPicPr>
-            <a:picLocks noChangeAspect="1" noChangeArrowheads="1"/>
-          </p:cNvPicPr>
-          <p:nvPr/>
-        </p:nvPicPr>
-        <p:blipFill>
-          <a:blip r:embed="rId3"/>
-          <a:srcRect/>
-          <a:stretch>
-            <a:fillRect/>
-          </a:stretch>
-        </p:blipFill>
-        <p:spPr bwMode="auto">
-          <a:xfrm>
-            <a:off x="428596" y="1285860"/>
-            <a:ext cx="3916105" cy="4768858"/>
-          </a:xfrm>
-          <a:prstGeom prst="rect">
-            <a:avLst/>
-          </a:prstGeom>
-          <a:noFill/>
-        </p:spPr>
-      </p:pic>
-      <p:sp>
-        <p:nvSpPr>
-          <p:cNvPr id="5" name="TextBox 4"/>
-          <p:cNvSpPr txBox="1"/>
-          <p:nvPr/>
-        </p:nvSpPr>
-        <p:spPr>
-          <a:xfrm>
-            <a:off x="1428728" y="845090"/>
-            <a:ext cx="1992853" cy="369332"/>
-          </a:xfrm>
-          <a:prstGeom prst="rect">
-            <a:avLst/>
-          </a:prstGeom>
-          <a:noFill/>
-        </p:spPr>
-        <p:txBody>
-          <a:bodyPr wrap="none" rtlCol="0">
-            <a:spAutoFit/>
-          </a:bodyPr>
-          <a:lstStyle/>
-          <a:p>
-            <a:r>
-              <a:rPr lang="sv-SE" dirty="0" smtClean="0"/>
-              <a:t>First </a:t>
-            </a:r>
-            <a:r>
-              <a:rPr lang="sv-SE" dirty="0" err="1" smtClean="0"/>
-              <a:t>Architecture</a:t>
-            </a:r>
-            <a:endParaRPr lang="sv-SE" dirty="0"/>
-          </a:p>
-        </p:txBody>
-      </p:sp>
-      <p:pic>
-        <p:nvPicPr>
-          <p:cNvPr id="6" name="Picture 2" descr="\\filestorage1.bth.se\profile\rati10\Desktop\Keanu-Reeves-5.jpg"/>
-          <p:cNvPicPr>
-            <a:picLocks noChangeAspect="1" noChangeArrowheads="1"/>
-          </p:cNvPicPr>
-          <p:nvPr/>
-        </p:nvPicPr>
-        <p:blipFill>
-          <a:blip r:embed="rId4"/>
-          <a:srcRect/>
-          <a:stretch>
-            <a:fillRect/>
-          </a:stretch>
-        </p:blipFill>
-        <p:spPr bwMode="auto">
-          <a:xfrm>
-            <a:off x="5286380" y="5143512"/>
-            <a:ext cx="2571768" cy="3463661"/>
-          </a:xfrm>
-          <a:prstGeom prst="rect">
-            <a:avLst/>
-          </a:prstGeom>
-          <a:noFill/>
-        </p:spPr>
-      </p:pic>
-    </p:spTree>
-  </p:cSld>
-  <p:clrMapOvr>
-    <a:masterClrMapping/>
-  </p:clrMapOvr>
-  <p:timing>
-    <p:tnLst>
-      <p:par>
-        <p:cTn id="1" dur="indefinite" restart="never" nodeType="tmRoot">
-          <p:childTnLst>
-            <p:seq concurrent="1" nextAc="seek">
-              <p:cTn id="2" dur="indefinite" nodeType="mainSeq">
-                <p:childTnLst>
-                  <p:par>
-                    <p:cTn id="3" fill="hold">
-                      <p:stCondLst>
-                        <p:cond delay="indefinite"/>
-                      </p:stCondLst>
-                      <p:childTnLst>
-                        <p:par>
-                          <p:cTn id="4" fill="hold">
-                            <p:stCondLst>
-                              <p:cond delay="0"/>
-                            </p:stCondLst>
-                            <p:childTnLst>
-                              <p:par>
-                                <p:cTn id="5" presetID="2" presetClass="entr" presetSubtype="4" fill="hold" nodeType="clickEffect">
-                                  <p:stCondLst>
-                                    <p:cond delay="0"/>
-                                  </p:stCondLst>
-                                  <p:childTnLst>
-                                    <p:set>
-                                      <p:cBhvr>
-                                        <p:cTn id="6" dur="1" fill="hold">
-                                          <p:stCondLst>
-                                            <p:cond delay="0"/>
-                                          </p:stCondLst>
-                                        </p:cTn>
-                                        <p:tgtEl>
-                                          <p:spTgt spid="6"/>
-                                        </p:tgtEl>
-                                        <p:attrNameLst>
-                                          <p:attrName>style.visibility</p:attrName>
-                                        </p:attrNameLst>
-                                      </p:cBhvr>
-                                      <p:to>
-                                        <p:strVal val="visible"/>
-                                      </p:to>
-                                    </p:set>
-                                    <p:anim calcmode="lin" valueType="num">
-                                      <p:cBhvr additive="base">
-                                        <p:cTn id="7" dur="2000" fill="hold"/>
-                                        <p:tgtEl>
-                                          <p:spTgt spid="6"/>
-                                        </p:tgtEl>
-                                        <p:attrNameLst>
-                                          <p:attrName>ppt_x</p:attrName>
-                                        </p:attrNameLst>
-                                      </p:cBhvr>
-                                      <p:tavLst>
-                                        <p:tav tm="0">
-                                          <p:val>
-                                            <p:strVal val="#ppt_x"/>
-                                          </p:val>
-                                        </p:tav>
-                                        <p:tav tm="100000">
-                                          <p:val>
-                                            <p:strVal val="#ppt_x"/>
-                                          </p:val>
-                                        </p:tav>
-                                      </p:tavLst>
-                                    </p:anim>
-                                    <p:anim calcmode="lin" valueType="num">
-                                      <p:cBhvr additive="base">
-                                        <p:cTn id="8" dur="2000" fill="hold"/>
-                                        <p:tgtEl>
-                                          <p:spTgt spid="6"/>
-                                        </p:tgtEl>
-                                        <p:attrNameLst>
-                                          <p:attrName>ppt_y</p:attrName>
-                                        </p:attrNameLst>
-                                      </p:cBhvr>
-                                      <p:tavLst>
-                                        <p:tav tm="0">
-                                          <p:val>
-                                            <p:strVal val="1+#ppt_h/2"/>
-                                          </p:val>
-                                        </p:tav>
-                                        <p:tav tm="100000">
-                                          <p:val>
-                                            <p:strVal val="#ppt_y"/>
-                                          </p:val>
-                                        </p:tav>
-                                      </p:tavLst>
-                                    </p:anim>
-                                  </p:childTnLst>
-                                </p:cTn>
-                              </p:par>
-                            </p:childTnLst>
-                          </p:cTn>
-                        </p:par>
-                        <p:par>
-                          <p:cTn id="9" fill="hold">
-                            <p:stCondLst>
-                              <p:cond delay="2000"/>
-                            </p:stCondLst>
-                            <p:childTnLst>
-                              <p:par>
-                                <p:cTn id="10" presetID="2" presetClass="exit" presetSubtype="4" fill="hold" nodeType="afterEffect">
-                                  <p:stCondLst>
-                                    <p:cond delay="0"/>
-                                  </p:stCondLst>
-                                  <p:childTnLst>
-                                    <p:anim calcmode="lin" valueType="num">
-                                      <p:cBhvr additive="base">
-                                        <p:cTn id="11" dur="2000"/>
-                                        <p:tgtEl>
-                                          <p:spTgt spid="6"/>
-                                        </p:tgtEl>
-                                        <p:attrNameLst>
-                                          <p:attrName>ppt_x</p:attrName>
-                                        </p:attrNameLst>
-                                      </p:cBhvr>
-                                      <p:tavLst>
-                                        <p:tav tm="0">
-                                          <p:val>
-                                            <p:strVal val="ppt_x"/>
-                                          </p:val>
-                                        </p:tav>
-                                        <p:tav tm="100000">
-                                          <p:val>
-                                            <p:strVal val="ppt_x"/>
-                                          </p:val>
-                                        </p:tav>
-                                      </p:tavLst>
-                                    </p:anim>
-                                    <p:anim calcmode="lin" valueType="num">
-                                      <p:cBhvr additive="base">
-                                        <p:cTn id="12" dur="2000"/>
-                                        <p:tgtEl>
-                                          <p:spTgt spid="6"/>
-                                        </p:tgtEl>
-                                        <p:attrNameLst>
-                                          <p:attrName>ppt_y</p:attrName>
-                                        </p:attrNameLst>
-                                      </p:cBhvr>
-                                      <p:tavLst>
-                                        <p:tav tm="0">
-                                          <p:val>
-                                            <p:strVal val="ppt_y"/>
-                                          </p:val>
-                                        </p:tav>
-                                        <p:tav tm="100000">
-                                          <p:val>
-                                            <p:strVal val="1+ppt_h/2"/>
-                                          </p:val>
-                                        </p:tav>
-                                      </p:tavLst>
-                                    </p:anim>
-                                    <p:set>
-                                      <p:cBhvr>
-                                        <p:cTn id="13" dur="1" fill="hold">
-                                          <p:stCondLst>
-                                            <p:cond delay="1999"/>
-                                          </p:stCondLst>
-                                        </p:cTn>
-                                        <p:tgtEl>
-                                          <p:spTgt spid="6"/>
-                                        </p:tgtEl>
-                                        <p:attrNameLst>
-                                          <p:attrName>style.visibility</p:attrName>
-                                        </p:attrNameLst>
-                                      </p:cBhvr>
-                                      <p:to>
-                                        <p:strVal val="hidden"/>
-                                      </p:to>
-                                    </p:set>
-                                  </p:childTnLst>
-                                </p:cTn>
-                              </p:par>
-                              <p:par>
-                                <p:cTn id="14" presetID="1" presetClass="entr" presetSubtype="0" fill="hold" nodeType="withEffect">
-                                  <p:stCondLst>
-                                    <p:cond delay="0"/>
-                                  </p:stCondLst>
-                                  <p:childTnLst>
-                                    <p:set>
-                                      <p:cBhvr>
-                                        <p:cTn id="15" dur="1" fill="hold">
                                           <p:stCondLst>
                                             <p:cond delay="0"/>
                                           </p:stCondLst>
@@ -5551,14 +4984,14 @@
                                 </p:cTn>
                               </p:par>
                               <p:par>
-                                <p:cTn id="16" presetID="1" presetClass="entr" presetSubtype="0" fill="hold" grpId="0" nodeType="withEffect">
+                                <p:cTn id="7" presetID="1" presetClass="entr" presetSubtype="0" fill="hold" grpId="0" nodeType="withEffect">
                                   <p:stCondLst>
                                     <p:cond delay="0"/>
                                   </p:stCondLst>
                                   <p:childTnLst>
                                     <p:set>
                                       <p:cBhvr>
-                                        <p:cTn id="17" dur="1" fill="hold">
+                                        <p:cTn id="8" dur="1" fill="hold">
                                           <p:stCondLst>
                                             <p:cond delay="0"/>
                                           </p:stCondLst>
@@ -5684,32 +5117,6 @@
           <a:noFill/>
         </p:spPr>
       </p:pic>
-      <p:pic>
-        <p:nvPicPr>
-          <p:cNvPr id="4" name="Picture 2" descr="\\filestorage1.bth.se\profile\rati10\Desktop\Keanu-Reeves-5.jpg"/>
-          <p:cNvPicPr>
-            <a:picLocks noChangeAspect="1" noChangeArrowheads="1"/>
-          </p:cNvPicPr>
-          <p:nvPr/>
-        </p:nvPicPr>
-        <p:blipFill>
-          <a:blip r:embed="rId3"/>
-          <a:srcRect/>
-          <a:stretch>
-            <a:fillRect/>
-          </a:stretch>
-        </p:blipFill>
-        <p:spPr bwMode="auto">
-          <a:xfrm>
-            <a:off x="6572232" y="285728"/>
-            <a:ext cx="2571768" cy="3463661"/>
-          </a:xfrm>
-          <a:prstGeom prst="rect">
-            <a:avLst/>
-          </a:prstGeom>
-          <a:noFill/>
-        </p:spPr>
-      </p:pic>
     </p:spTree>
   </p:cSld>
   <p:clrMapOvr>
@@ -5727,6 +5134,9 @@
                     <p:cTn id="3" fill="hold">
                       <p:stCondLst>
                         <p:cond delay="indefinite"/>
+                        <p:cond evt="onBegin" delay="0">
+                          <p:tn val="2"/>
+                        </p:cond>
                       </p:stCondLst>
                       <p:childTnLst>
                         <p:par>
@@ -5736,7 +5146,7 @@
                             </p:stCondLst>
                             <p:childTnLst>
                               <p:par>
-                                <p:cTn id="5" presetID="2" presetClass="entr" presetSubtype="2" fill="hold" nodeType="clickEffect">
+                                <p:cTn id="5" presetID="1" presetClass="entr" presetSubtype="0" fill="hold" nodeType="withEffect">
                                   <p:stCondLst>
                                     <p:cond delay="0"/>
                                   </p:stCondLst>
@@ -5744,129 +5154,6 @@
                                     <p:set>
                                       <p:cBhvr>
                                         <p:cTn id="6" dur="1" fill="hold">
-                                          <p:stCondLst>
-                                            <p:cond delay="0"/>
-                                          </p:stCondLst>
-                                        </p:cTn>
-                                        <p:tgtEl>
-                                          <p:spTgt spid="4"/>
-                                        </p:tgtEl>
-                                        <p:attrNameLst>
-                                          <p:attrName>style.visibility</p:attrName>
-                                        </p:attrNameLst>
-                                      </p:cBhvr>
-                                      <p:to>
-                                        <p:strVal val="visible"/>
-                                      </p:to>
-                                    </p:set>
-                                    <p:anim calcmode="lin" valueType="num">
-                                      <p:cBhvr additive="base">
-                                        <p:cTn id="7" dur="1000" fill="hold"/>
-                                        <p:tgtEl>
-                                          <p:spTgt spid="4"/>
-                                        </p:tgtEl>
-                                        <p:attrNameLst>
-                                          <p:attrName>ppt_x</p:attrName>
-                                        </p:attrNameLst>
-                                      </p:cBhvr>
-                                      <p:tavLst>
-                                        <p:tav tm="0">
-                                          <p:val>
-                                            <p:strVal val="1+#ppt_w/2"/>
-                                          </p:val>
-                                        </p:tav>
-                                        <p:tav tm="100000">
-                                          <p:val>
-                                            <p:strVal val="#ppt_x"/>
-                                          </p:val>
-                                        </p:tav>
-                                      </p:tavLst>
-                                    </p:anim>
-                                    <p:anim calcmode="lin" valueType="num">
-                                      <p:cBhvr additive="base">
-                                        <p:cTn id="8" dur="1000" fill="hold"/>
-                                        <p:tgtEl>
-                                          <p:spTgt spid="4"/>
-                                        </p:tgtEl>
-                                        <p:attrNameLst>
-                                          <p:attrName>ppt_y</p:attrName>
-                                        </p:attrNameLst>
-                                      </p:cBhvr>
-                                      <p:tavLst>
-                                        <p:tav tm="0">
-                                          <p:val>
-                                            <p:strVal val="#ppt_y"/>
-                                          </p:val>
-                                        </p:tav>
-                                        <p:tav tm="100000">
-                                          <p:val>
-                                            <p:strVal val="#ppt_y"/>
-                                          </p:val>
-                                        </p:tav>
-                                      </p:tavLst>
-                                    </p:anim>
-                                  </p:childTnLst>
-                                </p:cTn>
-                              </p:par>
-                            </p:childTnLst>
-                          </p:cTn>
-                        </p:par>
-                        <p:par>
-                          <p:cTn id="9" fill="hold">
-                            <p:stCondLst>
-                              <p:cond delay="1000"/>
-                            </p:stCondLst>
-                            <p:childTnLst>
-                              <p:par>
-                                <p:cTn id="10" presetID="0" presetClass="path" presetSubtype="0" accel="50000" decel="50000" fill="hold" nodeType="afterEffect">
-                                  <p:stCondLst>
-                                    <p:cond delay="100"/>
-                                  </p:stCondLst>
-                                  <p:childTnLst>
-                                    <p:animMotion origin="layout" path="M 3.61111E-6 7.03704E-6 C -0.00695 0.02292 -0.03177 0.05602 -0.04411 0.07454 C -0.05487 0.09075 -0.06476 0.1088 -0.07621 0.12408 C -0.08004 0.12917 -0.08456 0.13288 -0.08803 0.1382 C -0.09168 0.14352 -0.09393 0.15024 -0.09757 0.15579 C -0.10886 0.17246 -0.10678 0.16459 -0.11911 0.17802 C -0.13247 0.19214 -0.1422 0.21158 -0.15591 0.22547 C -0.15886 0.23102 -0.16129 0.23311 -0.16546 0.23658 C -0.18456 0.26968 -0.2132 0.29214 -0.23595 0.32061 C -0.24098 0.32732 -0.24567 0.33542 -0.2514 0.34144 C -0.25713 0.34723 -0.26338 0.35255 -0.26911 0.3588 C -0.27831 0.36876 -0.28612 0.38056 -0.29758 0.38589 C -0.3014 0.39075 -0.30452 0.39468 -0.30956 0.397 C -0.31181 0.39908 -0.31511 0.40163 -0.31668 0.40487 C -0.31737 0.40602 -0.31702 0.40811 -0.31789 0.40973 C -0.32501 0.42153 -0.32796 0.42107 -0.33681 0.42871 C -0.34949 0.43936 -0.33942 0.43427 -0.34758 0.4382 C -0.35036 0.4419 -0.35313 0.44538 -0.35591 0.44931 C -0.36233 0.45788 -0.37102 0.45996 -0.37744 0.46852 C -0.38074 0.47292 -0.38386 0.47778 -0.38681 0.48241 C -0.38803 0.4845 -0.38786 0.48727 -0.38924 0.48889 C -0.39081 0.49098 -0.39324 0.49098 -0.39532 0.49214 C -0.40157 0.50626 -0.40244 0.5132 -0.41546 0.51922 C -0.41945 0.52709 -0.42518 0.52755 -0.4297 0.53496 C -0.4349 0.54399 -0.43803 0.5544 -0.44289 0.56343 C -0.44549 0.56899 -0.45018 0.57177 -0.45348 0.57616 C -0.45539 0.58357 -0.45608 0.58542 -0.46181 0.58751 C -0.47032 0.59491 -0.47796 0.60024 -0.48803 0.60325 C -0.49654 0.61112 -0.50244 0.61413 -0.51303 0.61598 C -0.52084 0.62292 -0.51286 0.6169 -0.52865 0.62084 C -0.53404 0.62223 -0.5389 0.62639 -0.54411 0.62871 C -0.5474 0.62755 -0.55088 0.62778 -0.55348 0.62547 C -0.56338 0.61737 -0.57258 0.6007 -0.5797 0.58913 C -0.58855 0.57454 -0.58508 0.58403 -0.59515 0.56968 C -0.60487 0.55626 -0.61268 0.53982 -0.62136 0.52547 C -0.62796 0.51436 -0.6224 0.5213 -0.62744 0.50973 C -0.63629 0.48936 -0.63143 0.50811 -0.63924 0.48241 C -0.64306 0.46991 -0.64688 0.45649 -0.65122 0.44468 C -0.66077 0.41922 -0.67084 0.39468 -0.68091 0.36991 C -0.69289 0.34028 -0.69619 0.30556 -0.70713 0.27639 C -0.71529 0.2551 -0.72431 0.23913 -0.73681 0.22246 C -0.73872 0.21991 -0.7389 0.21575 -0.74046 0.21297 C -0.74254 0.20927 -0.74532 0.20672 -0.74758 0.20302 C -0.76216 0.18079 -0.77414 0.15834 -0.79289 0.14144 C -0.79584 0.13866 -0.80036 0.13727 -0.80348 0.13496 C -0.80765 0.13218 -0.81095 0.12686 -0.81546 0.12547 C -0.82466 0.12269 -0.83421 0.11829 -0.84289 0.11297 C -0.84567 0.10695 -0.8481 0.10695 -0.85244 0.10302 C -0.85817 0.09144 -0.85018 0.10556 -0.85973 0.097 C -0.86928 0.0882 -0.85435 0.09491 -0.86546 0.09075 C -0.86824 0.07547 -0.86286 0.07107 -0.85591 0.06019 C -0.84688 0.04653 -0.83838 0.03496 -0.82865 0.02246 C -0.82483 0.0176 -0.82015 0.01436 -0.81668 0.00973 C -0.81303 0.0044 -0.81043 -0.00208 -0.80713 -0.00786 C -0.80383 -0.01411 -0.80018 -0.0199 -0.79654 -0.02523 C -0.78004 -0.04791 -0.76355 -0.07013 -0.74758 -0.09374 C -0.7382 -0.1074 -0.72605 -0.13032 -0.71442 -0.14282 C -0.70574 -0.15161 -0.6948 -0.15601 -0.68577 -0.16481 C -0.67379 -0.17685 -0.66268 -0.20115 -0.64758 -0.20624 C -0.64324 -0.21435 -0.6382 -0.21828 -0.63213 -0.22361 C -0.62744 -0.228 -0.6231 -0.23425 -0.61911 -0.23958 C -0.61668 -0.24282 -0.61095 -0.24467 -0.60834 -0.24583 C -0.6073 -0.24629 -0.6047 -0.24745 -0.6047 -0.24745 C -0.6007 -0.253 -0.59497 -0.2574 -0.59168 -0.26365 C -0.58647 -0.27314 -0.58299 -0.28703 -0.57379 -0.29027 C -0.55765 -0.3037 -0.57674 -0.28657 -0.56424 -0.30161 C -0.56216 -0.30393 -0.5573 -0.30786 -0.5573 -0.30786 C -0.54879 -0.32384 -0.56181 -0.30138 -0.55018 -0.31411 C -0.54914 -0.3155 -0.54983 -0.31782 -0.54879 -0.31921 C -0.54775 -0.32083 -0.54567 -0.32106 -0.54411 -0.32222 C -0.53924 -0.3287 -0.53317 -0.33472 -0.52622 -0.33796 C -0.52154 -0.34745 -0.51424 -0.35486 -0.50591 -0.35856 C -0.49983 -0.36411 -0.49532 -0.35925 -0.48924 -0.35555 C -0.47518 -0.33171 -0.45626 -0.31411 -0.44289 -0.28865 C -0.41199 -0.23032 -0.39272 -0.1618 -0.36424 -0.10161 C -0.35036 -0.07198 -0.34098 -0.03842 -0.32501 -0.01087 C -0.30973 0.01552 -0.29602 0.04376 -0.28334 0.07315 C -0.26911 0.10672 -0.25504 0.14283 -0.24289 0.17802 C -0.23543 0.20001 -0.23022 0.22501 -0.22136 0.2463 C -0.21963 0.25047 -0.21633 0.25302 -0.21424 0.25741 C -0.20799 0.27014 -0.20279 0.28681 -0.19775 0.30024 C -0.1948 0.30741 -0.19063 0.32246 -0.19063 0.32246 C -0.18768 0.34862 -0.18074 0.37987 -0.16911 0.40163 C -0.16668 0.41181 -0.16459 0.41829 -0.16095 0.42871 C -0.15574 0.44214 -0.15661 0.45973 -0.15122 0.47315 C -0.14949 0.47755 -0.14688 0.48126 -0.14515 0.48589 C -0.14358 0.49005 -0.14202 0.49445 -0.14046 0.49839 C -0.13855 0.50394 -0.13959 0.51112 -0.13681 0.51575 C -0.13595 0.51737 -0.13438 0.5176 -0.13334 0.51922 C -0.12935 0.52431 -0.129 0.53033 -0.12622 0.53658 C -0.12449 0.54052 -0.12154 0.54352 -0.12015 0.54769 C -0.11841 0.55255 -0.11546 0.56343 -0.11546 0.56343 C -0.11303 0.58589 -0.10678 0.60602 -0.10121 0.62709 C -0.06684 0.60116 -0.04289 0.55394 -0.00833 0.52848 C 0.00677 0.50487 0.01563 0.49908 0.03333 0.48079 C 0.05538 0.45834 0.03542 0.4757 0.05712 0.45093 C 0.06354 0.44329 0.07136 0.43843 0.07743 0.4301 C 0.08507 0.42014 0.09254 0.41019 0.1 0.40024 C 0.11302 0.38288 0.09636 0.40186 0.10955 0.38241 C 0.11667 0.37223 0.12639 0.36482 0.13333 0.35394 C 0.14601 0.33427 0.15764 0.31621 0.17153 0.29862 C 0.17292 0.2919 0.18316 0.2794 0.1882 0.27639 C 0.19827 0.25927 0.20521 0.25302 0.2191 0.24144 C 0.225 0.22825 0.22066 0.23519 0.23455 0.22408 C 0.24219 0.21806 0.2382 0.21876 0.2441 0.21297 C 0.24948 0.20741 0.25573 0.20278 0.26077 0.197 C 0.26458 0.1926 0.26684 0.18542 0.27153 0.18264 C 0.27847 0.17825 0.27483 0.18079 0.28212 0.17315 C 0.28577 0.15903 0.27952 0.17871 0.28802 0.1669 C 0.28941 0.16528 0.28837 0.16227 0.28924 0.16042 C 0.29011 0.1588 0.29184 0.15857 0.29288 0.15718 C 0.29462 0.15556 0.29583 0.15255 0.29757 0.1507 C 0.31059 0.13751 0.2941 0.15857 0.30712 0.14306 C 0.31181 0.13727 0.31528 0.1301 0.32031 0.12547 C 0.32274 0.12038 0.32118 0.12084 0.32379 0.12084 " pathEditMode="relative" ptsTypes="ffffffffffffffffffffffffffffffffffffffffffffffffffffffffffffffffffffffffffffffffffffffffffffffffffffffffffffffffffA">
-                                      <p:cBhvr>
-                                        <p:cTn id="11" dur="2000" fill="hold"/>
-                                        <p:tgtEl>
-                                          <p:spTgt spid="4"/>
-                                        </p:tgtEl>
-                                        <p:attrNameLst>
-                                          <p:attrName>ppt_x</p:attrName>
-                                          <p:attrName>ppt_y</p:attrName>
-                                        </p:attrNameLst>
-                                      </p:cBhvr>
-                                    </p:animMotion>
-                                  </p:childTnLst>
-                                </p:cTn>
-                              </p:par>
-                              <p:par>
-                                <p:cTn id="12" presetID="8" presetClass="emph" presetSubtype="0" fill="hold" nodeType="withEffect">
-                                  <p:stCondLst>
-                                    <p:cond delay="0"/>
-                                  </p:stCondLst>
-                                  <p:childTnLst>
-                                    <p:animRot by="43200000">
-                                      <p:cBhvr>
-                                        <p:cTn id="13" dur="2000" fill="hold"/>
-                                        <p:tgtEl>
-                                          <p:spTgt spid="4"/>
-                                        </p:tgtEl>
-                                        <p:attrNameLst>
-                                          <p:attrName>r</p:attrName>
-                                        </p:attrNameLst>
-                                      </p:cBhvr>
-                                    </p:animRot>
-                                  </p:childTnLst>
-                                </p:cTn>
-                              </p:par>
-                              <p:par>
-                                <p:cTn id="14" presetID="1" presetClass="entr" presetSubtype="0" fill="hold" nodeType="withEffect">
-                                  <p:stCondLst>
-                                    <p:cond delay="0"/>
-                                  </p:stCondLst>
-                                  <p:childTnLst>
-                                    <p:set>
-                                      <p:cBhvr>
-                                        <p:cTn id="15" dur="1" fill="hold">
                                           <p:stCondLst>
                                             <p:cond delay="0"/>
                                           </p:stCondLst>
@@ -5933,185 +5220,9 @@
           <a:chExt cx="0" cy="0"/>
         </a:xfrm>
       </p:grpSpPr>
-      <p:sp>
-        <p:nvSpPr>
-          <p:cNvPr id="2" name="TextBox 1"/>
-          <p:cNvSpPr txBox="1"/>
-          <p:nvPr/>
-        </p:nvSpPr>
-        <p:spPr>
-          <a:xfrm>
-            <a:off x="0" y="428604"/>
-            <a:ext cx="2892138" cy="369332"/>
-          </a:xfrm>
-          <a:prstGeom prst="rect">
-            <a:avLst/>
-          </a:prstGeom>
-          <a:noFill/>
-        </p:spPr>
-        <p:txBody>
-          <a:bodyPr wrap="none" rtlCol="0">
-            <a:spAutoFit/>
-          </a:bodyPr>
-          <a:lstStyle/>
-          <a:p>
-            <a:r>
-              <a:rPr lang="sv-SE" dirty="0" err="1" smtClean="0"/>
-              <a:t>Proudest</a:t>
-            </a:r>
-            <a:r>
-              <a:rPr lang="sv-SE" dirty="0" smtClean="0"/>
-              <a:t> Design Moments</a:t>
-            </a:r>
-            <a:endParaRPr lang="sv-SE" dirty="0" smtClean="0"/>
-          </a:p>
-        </p:txBody>
-      </p:sp>
-      <p:sp>
-        <p:nvSpPr>
-          <p:cNvPr id="4" name="Rectangle 3"/>
-          <p:cNvSpPr/>
-          <p:nvPr/>
-        </p:nvSpPr>
-        <p:spPr>
-          <a:xfrm>
-            <a:off x="714348" y="1643050"/>
-            <a:ext cx="434734" cy="369332"/>
-          </a:xfrm>
-          <a:prstGeom prst="rect">
-            <a:avLst/>
-          </a:prstGeom>
-        </p:spPr>
-        <p:txBody>
-          <a:bodyPr wrap="none">
-            <a:spAutoFit/>
-          </a:bodyPr>
-          <a:lstStyle/>
-          <a:p>
-            <a:r>
-              <a:rPr lang="ar-SA" dirty="0" smtClean="0"/>
-              <a:t>۞</a:t>
-            </a:r>
-            <a:endParaRPr lang="sv-SE" dirty="0"/>
-          </a:p>
-        </p:txBody>
-      </p:sp>
-      <p:sp>
-        <p:nvSpPr>
-          <p:cNvPr id="6" name="TextBox 5"/>
-          <p:cNvSpPr txBox="1"/>
-          <p:nvPr/>
-        </p:nvSpPr>
-        <p:spPr>
-          <a:xfrm>
-            <a:off x="1071538" y="1643050"/>
-            <a:ext cx="3868367" cy="369332"/>
-          </a:xfrm>
-          <a:prstGeom prst="rect">
-            <a:avLst/>
-          </a:prstGeom>
-          <a:noFill/>
-        </p:spPr>
-        <p:txBody>
-          <a:bodyPr wrap="none" rtlCol="0">
-            <a:spAutoFit/>
-          </a:bodyPr>
-          <a:lstStyle/>
-          <a:p>
-            <a:r>
-              <a:rPr lang="sv-SE" dirty="0" smtClean="0"/>
-              <a:t>Observer </a:t>
-            </a:r>
-            <a:r>
-              <a:rPr lang="sv-SE" dirty="0" err="1" smtClean="0"/>
-              <a:t>pattern</a:t>
-            </a:r>
-            <a:r>
-              <a:rPr lang="sv-SE" dirty="0" smtClean="0"/>
-              <a:t> for Screen </a:t>
-            </a:r>
-            <a:r>
-              <a:rPr lang="sv-SE" dirty="0" err="1" smtClean="0"/>
-              <a:t>handler</a:t>
-            </a:r>
-            <a:endParaRPr lang="sv-SE" dirty="0"/>
-          </a:p>
-        </p:txBody>
-      </p:sp>
-      <p:sp>
-        <p:nvSpPr>
-          <p:cNvPr id="7" name="Rectangle 6"/>
-          <p:cNvSpPr/>
-          <p:nvPr/>
-        </p:nvSpPr>
-        <p:spPr>
-          <a:xfrm>
-            <a:off x="714348" y="2428868"/>
-            <a:ext cx="434734" cy="369332"/>
-          </a:xfrm>
-          <a:prstGeom prst="rect">
-            <a:avLst/>
-          </a:prstGeom>
-        </p:spPr>
-        <p:txBody>
-          <a:bodyPr wrap="none">
-            <a:spAutoFit/>
-          </a:bodyPr>
-          <a:lstStyle/>
-          <a:p>
-            <a:r>
-              <a:rPr lang="ar-SA" dirty="0" smtClean="0"/>
-              <a:t>۞</a:t>
-            </a:r>
-            <a:endParaRPr lang="sv-SE" dirty="0"/>
-          </a:p>
-        </p:txBody>
-      </p:sp>
-      <p:sp>
-        <p:nvSpPr>
-          <p:cNvPr id="8" name="TextBox 7"/>
-          <p:cNvSpPr txBox="1"/>
-          <p:nvPr/>
-        </p:nvSpPr>
-        <p:spPr>
-          <a:xfrm>
-            <a:off x="1071538" y="2428868"/>
-            <a:ext cx="3209533" cy="369332"/>
-          </a:xfrm>
-          <a:prstGeom prst="rect">
-            <a:avLst/>
-          </a:prstGeom>
-          <a:noFill/>
-        </p:spPr>
-        <p:txBody>
-          <a:bodyPr wrap="none" rtlCol="0">
-            <a:spAutoFit/>
-          </a:bodyPr>
-          <a:lstStyle/>
-          <a:p>
-            <a:r>
-              <a:rPr lang="sv-SE" dirty="0" err="1" smtClean="0"/>
-              <a:t>Waypoint</a:t>
-            </a:r>
-            <a:r>
-              <a:rPr lang="sv-SE" dirty="0" smtClean="0"/>
-              <a:t> system for </a:t>
-            </a:r>
-            <a:r>
-              <a:rPr lang="sv-SE" dirty="0" err="1" smtClean="0"/>
-              <a:t>ghost</a:t>
-            </a:r>
-            <a:r>
-              <a:rPr lang="sv-SE" dirty="0" smtClean="0"/>
-              <a:t> AI</a:t>
-            </a:r>
-            <a:endParaRPr lang="sv-SE" dirty="0"/>
-          </a:p>
-        </p:txBody>
-      </p:sp>
       <p:pic>
         <p:nvPicPr>
-          <p:cNvPr id="9" name="Picture 2" descr="\\filestorage1.bth.se\profile\rati10\Desktop\Keanu-Reeves-5.jpg"/>
+          <p:cNvPr id="1027" name="Picture 3" descr="\\filestorage1.bth.se\profile\cake10\Desktop\pacman1_58396210.jpg"/>
           <p:cNvPicPr>
             <a:picLocks noChangeAspect="1" noChangeArrowheads="1"/>
           </p:cNvPicPr>
@@ -6125,9 +5236,9 @@
           </a:stretch>
         </p:blipFill>
         <p:spPr bwMode="auto">
-          <a:xfrm rot="16200000">
-            <a:off x="3446311" y="3340243"/>
-            <a:ext cx="2571768" cy="3463661"/>
+          <a:xfrm>
+            <a:off x="4691090" y="1336675"/>
+            <a:ext cx="3810000" cy="5346700"/>
           </a:xfrm>
           <a:prstGeom prst="rect">
             <a:avLst/>
@@ -6135,30 +5246,169 @@
           <a:noFill/>
         </p:spPr>
       </p:pic>
+      <p:sp>
+        <p:nvSpPr>
+          <p:cNvPr id="2" name="TextBox 1"/>
+          <p:cNvSpPr txBox="1"/>
+          <p:nvPr/>
+        </p:nvSpPr>
+        <p:spPr>
+          <a:xfrm>
+            <a:off x="0" y="428604"/>
+            <a:ext cx="2892138" cy="369332"/>
+          </a:xfrm>
+          <a:prstGeom prst="rect">
+            <a:avLst/>
+          </a:prstGeom>
+          <a:noFill/>
+        </p:spPr>
+        <p:txBody>
+          <a:bodyPr wrap="none" rtlCol="0">
+            <a:spAutoFit/>
+          </a:bodyPr>
+          <a:lstStyle/>
+          <a:p>
+            <a:r>
+              <a:rPr lang="sv-SE" dirty="0" err="1" smtClean="0"/>
+              <a:t>Proudest</a:t>
+            </a:r>
+            <a:r>
+              <a:rPr lang="sv-SE" dirty="0" smtClean="0"/>
+              <a:t> Design Moments</a:t>
+            </a:r>
+          </a:p>
+        </p:txBody>
+      </p:sp>
+      <p:sp>
+        <p:nvSpPr>
+          <p:cNvPr id="6" name="TextBox 5"/>
+          <p:cNvSpPr txBox="1"/>
+          <p:nvPr/>
+        </p:nvSpPr>
+        <p:spPr>
+          <a:xfrm>
+            <a:off x="1071538" y="1643050"/>
+            <a:ext cx="3868367" cy="369332"/>
+          </a:xfrm>
+          <a:prstGeom prst="rect">
+            <a:avLst/>
+          </a:prstGeom>
+          <a:noFill/>
+        </p:spPr>
+        <p:txBody>
+          <a:bodyPr wrap="none" rtlCol="0">
+            <a:spAutoFit/>
+          </a:bodyPr>
+          <a:lstStyle/>
+          <a:p>
+            <a:r>
+              <a:rPr lang="sv-SE" dirty="0" smtClean="0"/>
+              <a:t>Observer </a:t>
+            </a:r>
+            <a:r>
+              <a:rPr lang="sv-SE" dirty="0" err="1" smtClean="0"/>
+              <a:t>pattern</a:t>
+            </a:r>
+            <a:r>
+              <a:rPr lang="sv-SE" dirty="0" smtClean="0"/>
+              <a:t> for Screen </a:t>
+            </a:r>
+            <a:r>
+              <a:rPr lang="sv-SE" dirty="0" err="1" smtClean="0"/>
+              <a:t>handler</a:t>
+            </a:r>
+            <a:endParaRPr lang="sv-SE" dirty="0"/>
+          </a:p>
+        </p:txBody>
+      </p:sp>
+      <p:sp>
+        <p:nvSpPr>
+          <p:cNvPr id="8" name="TextBox 7"/>
+          <p:cNvSpPr txBox="1"/>
+          <p:nvPr/>
+        </p:nvSpPr>
+        <p:spPr>
+          <a:xfrm>
+            <a:off x="1071538" y="2451149"/>
+            <a:ext cx="3209533" cy="369332"/>
+          </a:xfrm>
+          <a:prstGeom prst="rect">
+            <a:avLst/>
+          </a:prstGeom>
+          <a:noFill/>
+        </p:spPr>
+        <p:txBody>
+          <a:bodyPr wrap="none" rtlCol="0">
+            <a:spAutoFit/>
+          </a:bodyPr>
+          <a:lstStyle/>
+          <a:p>
+            <a:r>
+              <a:rPr lang="sv-SE" dirty="0" err="1" smtClean="0"/>
+              <a:t>Waypoint</a:t>
+            </a:r>
+            <a:r>
+              <a:rPr lang="sv-SE" dirty="0" smtClean="0"/>
+              <a:t> system for </a:t>
+            </a:r>
+            <a:r>
+              <a:rPr lang="sv-SE" dirty="0" err="1" smtClean="0"/>
+              <a:t>ghost</a:t>
+            </a:r>
+            <a:r>
+              <a:rPr lang="sv-SE" dirty="0" smtClean="0"/>
+              <a:t> AI</a:t>
+            </a:r>
+            <a:endParaRPr lang="sv-SE" dirty="0"/>
+          </a:p>
+        </p:txBody>
+      </p:sp>
       <p:pic>
         <p:nvPicPr>
-          <p:cNvPr id="10" name="Picture 2" descr="\\filestorage1.bth.se\profile\rati10\Desktop\Keanu-Reeves-5.jpg"/>
+          <p:cNvPr id="12" name="Picture 11" descr="pacman_cherries.gif"/>
           <p:cNvPicPr>
-            <a:picLocks noChangeAspect="1" noChangeArrowheads="1"/>
+            <a:picLocks noChangeAspect="1"/>
           </p:cNvPicPr>
           <p:nvPr/>
         </p:nvPicPr>
         <p:blipFill>
-          <a:blip r:embed="rId2"/>
-          <a:srcRect/>
+          <a:blip r:embed="rId3"/>
           <a:stretch>
             <a:fillRect/>
           </a:stretch>
         </p:blipFill>
-        <p:spPr bwMode="auto">
-          <a:xfrm rot="5400000">
-            <a:off x="3446310" y="3340244"/>
-            <a:ext cx="2571768" cy="3463661"/>
+        <p:spPr>
+          <a:xfrm>
+            <a:off x="357158" y="2308273"/>
+            <a:ext cx="604828" cy="620661"/>
           </a:xfrm>
           <a:prstGeom prst="rect">
             <a:avLst/>
           </a:prstGeom>
-          <a:noFill/>
+        </p:spPr>
+      </p:pic>
+      <p:pic>
+        <p:nvPicPr>
+          <p:cNvPr id="13" name="Picture 12" descr="pacman_cherries.gif"/>
+          <p:cNvPicPr>
+            <a:picLocks noChangeAspect="1"/>
+          </p:cNvPicPr>
+          <p:nvPr/>
+        </p:nvPicPr>
+        <p:blipFill>
+          <a:blip r:embed="rId3"/>
+          <a:stretch>
+            <a:fillRect/>
+          </a:stretch>
+        </p:blipFill>
+        <p:spPr>
+          <a:xfrm>
+            <a:off x="357158" y="1500174"/>
+            <a:ext cx="604828" cy="620661"/>
+          </a:xfrm>
+          <a:prstGeom prst="rect">
+            <a:avLst/>
+          </a:prstGeom>
         </p:spPr>
       </p:pic>
     </p:spTree>
@@ -6178,9 +5428,6 @@
                     <p:cTn id="3" fill="hold">
                       <p:stCondLst>
                         <p:cond delay="indefinite"/>
-                        <p:cond evt="onBegin" delay="0">
-                          <p:tn val="2"/>
-                        </p:cond>
                       </p:stCondLst>
                       <p:childTnLst>
                         <p:par>
@@ -6190,7 +5437,7 @@
                             </p:stCondLst>
                             <p:childTnLst>
                               <p:par>
-                                <p:cTn id="5" presetID="2" presetClass="entr" presetSubtype="2" fill="hold" nodeType="afterEffect">
+                                <p:cTn id="5" presetID="1" presetClass="entr" presetSubtype="0" fill="hold" grpId="0" nodeType="clickEffect">
                                   <p:stCondLst>
                                     <p:cond delay="0"/>
                                   </p:stCondLst>
@@ -6203,162 +5450,7 @@
                                           </p:stCondLst>
                                         </p:cTn>
                                         <p:tgtEl>
-                                          <p:spTgt spid="9"/>
-                                        </p:tgtEl>
-                                        <p:attrNameLst>
-                                          <p:attrName>style.visibility</p:attrName>
-                                        </p:attrNameLst>
-                                      </p:cBhvr>
-                                      <p:to>
-                                        <p:strVal val="visible"/>
-                                      </p:to>
-                                    </p:set>
-                                    <p:anim calcmode="lin" valueType="num">
-                                      <p:cBhvr additive="base">
-                                        <p:cTn id="7" dur="500" fill="hold"/>
-                                        <p:tgtEl>
-                                          <p:spTgt spid="9"/>
-                                        </p:tgtEl>
-                                        <p:attrNameLst>
-                                          <p:attrName>ppt_x</p:attrName>
-                                        </p:attrNameLst>
-                                      </p:cBhvr>
-                                      <p:tavLst>
-                                        <p:tav tm="0">
-                                          <p:val>
-                                            <p:strVal val="1+#ppt_w/2"/>
-                                          </p:val>
-                                        </p:tav>
-                                        <p:tav tm="100000">
-                                          <p:val>
-                                            <p:strVal val="#ppt_x"/>
-                                          </p:val>
-                                        </p:tav>
-                                      </p:tavLst>
-                                    </p:anim>
-                                    <p:anim calcmode="lin" valueType="num">
-                                      <p:cBhvr additive="base">
-                                        <p:cTn id="8" dur="500" fill="hold"/>
-                                        <p:tgtEl>
-                                          <p:spTgt spid="9"/>
-                                        </p:tgtEl>
-                                        <p:attrNameLst>
-                                          <p:attrName>ppt_y</p:attrName>
-                                        </p:attrNameLst>
-                                      </p:cBhvr>
-                                      <p:tavLst>
-                                        <p:tav tm="0">
-                                          <p:val>
-                                            <p:strVal val="#ppt_y"/>
-                                          </p:val>
-                                        </p:tav>
-                                        <p:tav tm="100000">
-                                          <p:val>
-                                            <p:strVal val="#ppt_y"/>
-                                          </p:val>
-                                        </p:tav>
-                                      </p:tavLst>
-                                    </p:anim>
-                                  </p:childTnLst>
-                                </p:cTn>
-                              </p:par>
-                            </p:childTnLst>
-                          </p:cTn>
-                        </p:par>
-                        <p:par>
-                          <p:cTn id="9" fill="hold">
-                            <p:stCondLst>
-                              <p:cond delay="500"/>
-                            </p:stCondLst>
-                            <p:childTnLst>
-                              <p:par>
-                                <p:cTn id="10" presetID="2" presetClass="exit" presetSubtype="8" fill="hold" nodeType="afterEffect">
-                                  <p:stCondLst>
-                                    <p:cond delay="0"/>
-                                  </p:stCondLst>
-                                  <p:childTnLst>
-                                    <p:anim calcmode="lin" valueType="num">
-                                      <p:cBhvr additive="base">
-                                        <p:cTn id="11" dur="500"/>
-                                        <p:tgtEl>
-                                          <p:spTgt spid="9"/>
-                                        </p:tgtEl>
-                                        <p:attrNameLst>
-                                          <p:attrName>ppt_x</p:attrName>
-                                        </p:attrNameLst>
-                                      </p:cBhvr>
-                                      <p:tavLst>
-                                        <p:tav tm="0">
-                                          <p:val>
-                                            <p:strVal val="ppt_x"/>
-                                          </p:val>
-                                        </p:tav>
-                                        <p:tav tm="100000">
-                                          <p:val>
-                                            <p:strVal val="0-ppt_w/2"/>
-                                          </p:val>
-                                        </p:tav>
-                                      </p:tavLst>
-                                    </p:anim>
-                                    <p:anim calcmode="lin" valueType="num">
-                                      <p:cBhvr additive="base">
-                                        <p:cTn id="12" dur="500"/>
-                                        <p:tgtEl>
-                                          <p:spTgt spid="9"/>
-                                        </p:tgtEl>
-                                        <p:attrNameLst>
-                                          <p:attrName>ppt_y</p:attrName>
-                                        </p:attrNameLst>
-                                      </p:cBhvr>
-                                      <p:tavLst>
-                                        <p:tav tm="0">
-                                          <p:val>
-                                            <p:strVal val="ppt_y"/>
-                                          </p:val>
-                                        </p:tav>
-                                        <p:tav tm="100000">
-                                          <p:val>
-                                            <p:strVal val="ppt_y"/>
-                                          </p:val>
-                                        </p:tav>
-                                      </p:tavLst>
-                                    </p:anim>
-                                    <p:set>
-                                      <p:cBhvr>
-                                        <p:cTn id="13" dur="1" fill="hold">
-                                          <p:stCondLst>
-                                            <p:cond delay="499"/>
-                                          </p:stCondLst>
-                                        </p:cTn>
-                                        <p:tgtEl>
-                                          <p:spTgt spid="9"/>
-                                        </p:tgtEl>
-                                        <p:attrNameLst>
-                                          <p:attrName>style.visibility</p:attrName>
-                                        </p:attrNameLst>
-                                      </p:cBhvr>
-                                      <p:to>
-                                        <p:strVal val="hidden"/>
-                                      </p:to>
-                                    </p:set>
-                                  </p:childTnLst>
-                                </p:cTn>
-                              </p:par>
-                              <p:par>
-                                <p:cTn id="14" presetID="1" presetClass="entr" presetSubtype="0" fill="hold" grpId="0" nodeType="withEffect">
-                                  <p:stCondLst>
-                                    <p:cond delay="0"/>
-                                  </p:stCondLst>
-                                  <p:childTnLst>
-                                    <p:set>
-                                      <p:cBhvr>
-                                        <p:cTn id="15" dur="1" fill="hold">
-                                          <p:stCondLst>
-                                            <p:cond delay="0"/>
-                                          </p:stCondLst>
-                                        </p:cTn>
-                                        <p:tgtEl>
-                                          <p:spTgt spid="4"/>
+                                          <p:spTgt spid="6"/>
                                         </p:tgtEl>
                                         <p:attrNameLst>
                                           <p:attrName>style.visibility</p:attrName>
@@ -6372,20 +5464,20 @@
                                 </p:cTn>
                               </p:par>
                               <p:par>
-                                <p:cTn id="16" presetID="1" presetClass="entr" presetSubtype="0" fill="hold" grpId="0" nodeType="withEffect">
+                                <p:cTn id="7" presetID="1" presetClass="entr" presetSubtype="0" fill="hold" nodeType="withEffect">
                                   <p:stCondLst>
                                     <p:cond delay="0"/>
                                   </p:stCondLst>
                                   <p:childTnLst>
                                     <p:set>
                                       <p:cBhvr>
-                                        <p:cTn id="17" dur="1" fill="hold">
+                                        <p:cTn id="8" dur="1" fill="hold">
                                           <p:stCondLst>
                                             <p:cond delay="0"/>
                                           </p:stCondLst>
                                         </p:cTn>
                                         <p:tgtEl>
-                                          <p:spTgt spid="6"/>
+                                          <p:spTgt spid="13"/>
                                         </p:tgtEl>
                                         <p:attrNameLst>
                                           <p:attrName>style.visibility</p:attrName>
@@ -6405,187 +5497,32 @@
                     </p:cTn>
                   </p:par>
                   <p:par>
-                    <p:cTn id="18" fill="hold">
+                    <p:cTn id="9" fill="hold">
                       <p:stCondLst>
                         <p:cond delay="indefinite"/>
                       </p:stCondLst>
                       <p:childTnLst>
                         <p:par>
-                          <p:cTn id="19" fill="hold">
+                          <p:cTn id="10" fill="hold">
                             <p:stCondLst>
                               <p:cond delay="0"/>
                             </p:stCondLst>
                             <p:childTnLst>
                               <p:par>
-                                <p:cTn id="20" presetID="2" presetClass="entr" presetSubtype="8" fill="hold" nodeType="clickEffect">
+                                <p:cTn id="11" presetID="1" presetClass="entr" presetSubtype="0" fill="hold" grpId="0" nodeType="clickEffect">
                                   <p:stCondLst>
                                     <p:cond delay="0"/>
                                   </p:stCondLst>
                                   <p:childTnLst>
                                     <p:set>
                                       <p:cBhvr>
-                                        <p:cTn id="21" dur="1" fill="hold">
+                                        <p:cTn id="12" dur="1" fill="hold">
                                           <p:stCondLst>
                                             <p:cond delay="0"/>
                                           </p:stCondLst>
                                         </p:cTn>
                                         <p:tgtEl>
-                                          <p:spTgt spid="10"/>
-                                        </p:tgtEl>
-                                        <p:attrNameLst>
-                                          <p:attrName>style.visibility</p:attrName>
-                                        </p:attrNameLst>
-                                      </p:cBhvr>
-                                      <p:to>
-                                        <p:strVal val="visible"/>
-                                      </p:to>
-                                    </p:set>
-                                    <p:anim calcmode="lin" valueType="num">
-                                      <p:cBhvr additive="base">
-                                        <p:cTn id="22" dur="500" fill="hold"/>
-                                        <p:tgtEl>
-                                          <p:spTgt spid="10"/>
-                                        </p:tgtEl>
-                                        <p:attrNameLst>
-                                          <p:attrName>ppt_x</p:attrName>
-                                        </p:attrNameLst>
-                                      </p:cBhvr>
-                                      <p:tavLst>
-                                        <p:tav tm="0">
-                                          <p:val>
-                                            <p:strVal val="0-#ppt_w/2"/>
-                                          </p:val>
-                                        </p:tav>
-                                        <p:tav tm="100000">
-                                          <p:val>
-                                            <p:strVal val="#ppt_x"/>
-                                          </p:val>
-                                        </p:tav>
-                                      </p:tavLst>
-                                    </p:anim>
-                                    <p:anim calcmode="lin" valueType="num">
-                                      <p:cBhvr additive="base">
-                                        <p:cTn id="23" dur="500" fill="hold"/>
-                                        <p:tgtEl>
-                                          <p:spTgt spid="10"/>
-                                        </p:tgtEl>
-                                        <p:attrNameLst>
-                                          <p:attrName>ppt_y</p:attrName>
-                                        </p:attrNameLst>
-                                      </p:cBhvr>
-                                      <p:tavLst>
-                                        <p:tav tm="0">
-                                          <p:val>
-                                            <p:strVal val="#ppt_y"/>
-                                          </p:val>
-                                        </p:tav>
-                                        <p:tav tm="100000">
-                                          <p:val>
-                                            <p:strVal val="#ppt_y"/>
-                                          </p:val>
-                                        </p:tav>
-                                      </p:tavLst>
-                                    </p:anim>
-                                  </p:childTnLst>
-                                </p:cTn>
-                              </p:par>
-                            </p:childTnLst>
-                          </p:cTn>
-                        </p:par>
-                        <p:par>
-                          <p:cTn id="24" fill="hold">
-                            <p:stCondLst>
-                              <p:cond delay="500"/>
-                            </p:stCondLst>
-                            <p:childTnLst>
-                              <p:par>
-                                <p:cTn id="25" presetID="2" presetClass="exit" presetSubtype="2" fill="hold" nodeType="afterEffect">
-                                  <p:stCondLst>
-                                    <p:cond delay="0"/>
-                                  </p:stCondLst>
-                                  <p:childTnLst>
-                                    <p:anim calcmode="lin" valueType="num">
-                                      <p:cBhvr additive="base">
-                                        <p:cTn id="26" dur="500"/>
-                                        <p:tgtEl>
-                                          <p:spTgt spid="10"/>
-                                        </p:tgtEl>
-                                        <p:attrNameLst>
-                                          <p:attrName>ppt_x</p:attrName>
-                                        </p:attrNameLst>
-                                      </p:cBhvr>
-                                      <p:tavLst>
-                                        <p:tav tm="0">
-                                          <p:val>
-                                            <p:strVal val="ppt_x"/>
-                                          </p:val>
-                                        </p:tav>
-                                        <p:tav tm="100000">
-                                          <p:val>
-                                            <p:strVal val="1+ppt_w/2"/>
-                                          </p:val>
-                                        </p:tav>
-                                      </p:tavLst>
-                                    </p:anim>
-                                    <p:anim calcmode="lin" valueType="num">
-                                      <p:cBhvr additive="base">
-                                        <p:cTn id="27" dur="500"/>
-                                        <p:tgtEl>
-                                          <p:spTgt spid="10"/>
-                                        </p:tgtEl>
-                                        <p:attrNameLst>
-                                          <p:attrName>ppt_y</p:attrName>
-                                        </p:attrNameLst>
-                                      </p:cBhvr>
-                                      <p:tavLst>
-                                        <p:tav tm="0">
-                                          <p:val>
-                                            <p:strVal val="ppt_y"/>
-                                          </p:val>
-                                        </p:tav>
-                                        <p:tav tm="100000">
-                                          <p:val>
-                                            <p:strVal val="ppt_y"/>
-                                          </p:val>
-                                        </p:tav>
-                                      </p:tavLst>
-                                    </p:anim>
-                                    <p:set>
-                                      <p:cBhvr>
-                                        <p:cTn id="28" dur="1" fill="hold">
-                                          <p:stCondLst>
-                                            <p:cond delay="499"/>
-                                          </p:stCondLst>
-                                        </p:cTn>
-                                        <p:tgtEl>
-                                          <p:spTgt spid="10"/>
-                                        </p:tgtEl>
-                                        <p:attrNameLst>
-                                          <p:attrName>style.visibility</p:attrName>
-                                        </p:attrNameLst>
-                                      </p:cBhvr>
-                                      <p:to>
-                                        <p:strVal val="hidden"/>
-                                      </p:to>
-                                    </p:set>
-                                  </p:childTnLst>
-                                </p:cTn>
-                              </p:par>
-                              <p:par>
-                                <p:cTn id="29" presetID="1" presetClass="entr" presetSubtype="0" fill="hold" grpId="0" nodeType="withEffect">
-                                  <p:stCondLst>
-                                    <p:cond delay="0"/>
-                                  </p:stCondLst>
-                                  <p:childTnLst>
-                                    <p:set>
-                                      <p:cBhvr>
-                                        <p:cTn id="30" dur="1" fill="hold">
-                                          <p:stCondLst>
-                                            <p:cond delay="0"/>
-                                          </p:stCondLst>
-                                        </p:cTn>
-                                        <p:tgtEl>
-                                          <p:spTgt spid="7"/>
+                                          <p:spTgt spid="8"/>
                                         </p:tgtEl>
                                         <p:attrNameLst>
                                           <p:attrName>style.visibility</p:attrName>
@@ -6599,20 +5536,20 @@
                                 </p:cTn>
                               </p:par>
                               <p:par>
-                                <p:cTn id="31" presetID="1" presetClass="entr" presetSubtype="0" fill="hold" grpId="0" nodeType="withEffect">
+                                <p:cTn id="13" presetID="1" presetClass="entr" presetSubtype="0" fill="hold" nodeType="withEffect">
                                   <p:stCondLst>
                                     <p:cond delay="0"/>
                                   </p:stCondLst>
                                   <p:childTnLst>
                                     <p:set>
                                       <p:cBhvr>
-                                        <p:cTn id="32" dur="1" fill="hold">
+                                        <p:cTn id="14" dur="1" fill="hold">
                                           <p:stCondLst>
                                             <p:cond delay="0"/>
                                           </p:stCondLst>
                                         </p:cTn>
                                         <p:tgtEl>
-                                          <p:spTgt spid="8"/>
+                                          <p:spTgt spid="12"/>
                                         </p:tgtEl>
                                         <p:attrNameLst>
                                           <p:attrName>style.visibility</p:attrName>
@@ -6653,9 +5590,7 @@
       </p:par>
     </p:tnLst>
     <p:bldLst>
-      <p:bldP spid="4" grpId="0"/>
       <p:bldP spid="6" grpId="0"/>
-      <p:bldP spid="7" grpId="0"/>
       <p:bldP spid="8" grpId="0"/>
     </p:bldLst>
   </p:timing>
@@ -6787,7 +5722,6 @@
               <a:rPr lang="sv-SE" dirty="0" smtClean="0"/>
               <a:t>.</a:t>
             </a:r>
-            <a:endParaRPr lang="sv-SE" dirty="0" smtClean="0"/>
           </a:p>
         </p:txBody>
       </p:sp>
@@ -6799,7 +5733,7 @@
         </p:nvSpPr>
         <p:spPr>
           <a:xfrm>
-            <a:off x="357158" y="2071678"/>
+            <a:off x="1142976" y="2071678"/>
             <a:ext cx="3571900" cy="646331"/>
           </a:xfrm>
           <a:prstGeom prst="rect">
@@ -6814,18 +5748,6 @@
           <a:lstStyle/>
           <a:p>
             <a:r>
-              <a:rPr lang="sv-SE" dirty="0" smtClean="0"/>
-              <a:t> </a:t>
-            </a:r>
-            <a:r>
-              <a:rPr lang="ar-SA" dirty="0" smtClean="0"/>
-              <a:t>۞</a:t>
-            </a:r>
-            <a:r>
-              <a:rPr lang="sv-SE" dirty="0" smtClean="0"/>
-              <a:t> </a:t>
-            </a:r>
-            <a:r>
               <a:rPr lang="sv-SE" dirty="0" err="1" smtClean="0"/>
               <a:t>Implementing</a:t>
             </a:r>
@@ -6852,7 +5774,7 @@
         </p:nvSpPr>
         <p:spPr>
           <a:xfrm>
-            <a:off x="428596" y="2786058"/>
+            <a:off x="1139922" y="2965949"/>
             <a:ext cx="3717830" cy="369332"/>
           </a:xfrm>
           <a:prstGeom prst="rect">
@@ -6866,16 +5788,16 @@
           <a:lstStyle/>
           <a:p>
             <a:r>
-              <a:rPr lang="ar-SA" dirty="0" smtClean="0"/>
-              <a:t>۞</a:t>
-            </a:r>
-            <a:r>
               <a:rPr lang="sv-SE" dirty="0" err="1" smtClean="0"/>
               <a:t>Reference</a:t>
             </a:r>
             <a:r>
               <a:rPr lang="sv-SE" dirty="0" smtClean="0"/>
-              <a:t> driver </a:t>
+              <a:t> </a:t>
+            </a:r>
+            <a:r>
+              <a:rPr lang="sv-SE" dirty="0" smtClean="0"/>
+              <a:t>driver </a:t>
             </a:r>
             <a:r>
               <a:rPr lang="sv-SE" dirty="0" err="1" smtClean="0"/>
@@ -6887,14 +5809,62 @@
       </p:sp>
       <p:pic>
         <p:nvPicPr>
-          <p:cNvPr id="7" name="Picture 2" descr="\\filestorage1.bth.se\profile\rati10\Desktop\Keanu-Reeves-5.jpg"/>
+          <p:cNvPr id="10" name="Picture 9" descr="pacman_cherries.gif"/>
+          <p:cNvPicPr>
+            <a:picLocks noChangeAspect="1"/>
+          </p:cNvPicPr>
+          <p:nvPr/>
+        </p:nvPicPr>
+        <p:blipFill>
+          <a:blip r:embed="rId2"/>
+          <a:stretch>
+            <a:fillRect/>
+          </a:stretch>
+        </p:blipFill>
+        <p:spPr>
+          <a:xfrm>
+            <a:off x="395272" y="2857496"/>
+            <a:ext cx="604828" cy="620661"/>
+          </a:xfrm>
+          <a:prstGeom prst="rect">
+            <a:avLst/>
+          </a:prstGeom>
+        </p:spPr>
+      </p:pic>
+      <p:pic>
+        <p:nvPicPr>
+          <p:cNvPr id="11" name="Picture 10" descr="pacman_cherries.gif"/>
+          <p:cNvPicPr>
+            <a:picLocks noChangeAspect="1"/>
+          </p:cNvPicPr>
+          <p:nvPr/>
+        </p:nvPicPr>
+        <p:blipFill>
+          <a:blip r:embed="rId2"/>
+          <a:stretch>
+            <a:fillRect/>
+          </a:stretch>
+        </p:blipFill>
+        <p:spPr>
+          <a:xfrm>
+            <a:off x="395272" y="2000240"/>
+            <a:ext cx="604828" cy="620661"/>
+          </a:xfrm>
+          <a:prstGeom prst="rect">
+            <a:avLst/>
+          </a:prstGeom>
+        </p:spPr>
+      </p:pic>
+      <p:pic>
+        <p:nvPicPr>
+          <p:cNvPr id="12" name="Picture 2" descr="\\filestorage1.bth.se\profile\cake10\Desktop\12252150911687169917mbtwms_Ghost.svg.hi.png"/>
           <p:cNvPicPr>
             <a:picLocks noChangeAspect="1" noChangeArrowheads="1"/>
           </p:cNvPicPr>
           <p:nvPr/>
         </p:nvPicPr>
         <p:blipFill>
-          <a:blip r:embed="rId2"/>
+          <a:blip r:embed="rId3"/>
           <a:srcRect/>
           <a:stretch>
             <a:fillRect/>
@@ -6902,8 +5872,8 @@
         </p:blipFill>
         <p:spPr bwMode="auto">
           <a:xfrm>
-            <a:off x="5143504" y="2643182"/>
-            <a:ext cx="2571768" cy="3463661"/>
+            <a:off x="5251450" y="3033712"/>
+            <a:ext cx="2963888" cy="3554127"/>
           </a:xfrm>
           <a:prstGeom prst="rect">
             <a:avLst/>
@@ -6963,39 +5933,21 @@
                                   </p:childTnLst>
                                 </p:cTn>
                               </p:par>
-                            </p:childTnLst>
-                          </p:cTn>
-                        </p:par>
-                      </p:childTnLst>
-                    </p:cTn>
-                  </p:par>
-                  <p:par>
-                    <p:cTn id="7" fill="hold">
-                      <p:stCondLst>
-                        <p:cond delay="indefinite"/>
-                      </p:stCondLst>
-                      <p:childTnLst>
-                        <p:par>
-                          <p:cTn id="8" fill="hold">
-                            <p:stCondLst>
-                              <p:cond delay="0"/>
-                            </p:stCondLst>
-                            <p:childTnLst>
                               <p:par>
-                                <p:cTn id="9" presetID="1" presetClass="entr" presetSubtype="0" fill="hold" grpId="0" nodeType="clickEffect">
+                                <p:cTn id="7" presetID="1" presetClass="entr" presetSubtype="0" fill="hold" nodeType="withEffect">
                                   <p:stCondLst>
                                     <p:cond delay="0"/>
                                   </p:stCondLst>
                                   <p:childTnLst>
                                     <p:set>
                                       <p:cBhvr>
-                                        <p:cTn id="10" dur="1" fill="hold">
+                                        <p:cTn id="8" dur="1" fill="hold">
                                           <p:stCondLst>
                                             <p:cond delay="0"/>
                                           </p:stCondLst>
                                         </p:cTn>
                                         <p:tgtEl>
-                                          <p:spTgt spid="6"/>
+                                          <p:spTgt spid="11"/>
                                         </p:tgtEl>
                                         <p:attrNameLst>
                                           <p:attrName>style.visibility</p:attrName>
@@ -7015,85 +5967,66 @@
                     </p:cTn>
                   </p:par>
                   <p:par>
-                    <p:cTn id="11" fill="hold">
+                    <p:cTn id="9" fill="hold">
                       <p:stCondLst>
                         <p:cond delay="indefinite"/>
                       </p:stCondLst>
                       <p:childTnLst>
                         <p:par>
-                          <p:cTn id="12" fill="hold">
+                          <p:cTn id="10" fill="hold">
                             <p:stCondLst>
                               <p:cond delay="0"/>
                             </p:stCondLst>
                             <p:childTnLst>
                               <p:par>
-                                <p:cTn id="13" presetID="2" presetClass="exit" presetSubtype="4" fill="hold" nodeType="clickEffect">
+                                <p:cTn id="11" presetID="1" presetClass="entr" presetSubtype="0" fill="hold" grpId="0" nodeType="clickEffect">
                                   <p:stCondLst>
                                     <p:cond delay="0"/>
                                   </p:stCondLst>
                                   <p:childTnLst>
-                                    <p:anim calcmode="lin" valueType="num">
-                                      <p:cBhvr additive="base">
-                                        <p:cTn id="14" dur="500"/>
-                                        <p:tgtEl>
-                                          <p:spTgt spid="7"/>
-                                        </p:tgtEl>
-                                        <p:attrNameLst>
-                                          <p:attrName>ppt_x</p:attrName>
-                                        </p:attrNameLst>
-                                      </p:cBhvr>
-                                      <p:tavLst>
-                                        <p:tav tm="0">
-                                          <p:val>
-                                            <p:strVal val="ppt_x"/>
-                                          </p:val>
-                                        </p:tav>
-                                        <p:tav tm="100000">
-                                          <p:val>
-                                            <p:strVal val="ppt_x"/>
-                                          </p:val>
-                                        </p:tav>
-                                      </p:tavLst>
-                                    </p:anim>
-                                    <p:anim calcmode="lin" valueType="num">
-                                      <p:cBhvr additive="base">
-                                        <p:cTn id="15" dur="500"/>
-                                        <p:tgtEl>
-                                          <p:spTgt spid="7"/>
-                                        </p:tgtEl>
-                                        <p:attrNameLst>
-                                          <p:attrName>ppt_y</p:attrName>
-                                        </p:attrNameLst>
-                                      </p:cBhvr>
-                                      <p:tavLst>
-                                        <p:tav tm="0">
-                                          <p:val>
-                                            <p:strVal val="ppt_y"/>
-                                          </p:val>
-                                        </p:tav>
-                                        <p:tav tm="100000">
-                                          <p:val>
-                                            <p:strVal val="1+ppt_h/2"/>
-                                          </p:val>
-                                        </p:tav>
-                                      </p:tavLst>
-                                    </p:anim>
                                     <p:set>
                                       <p:cBhvr>
-                                        <p:cTn id="16" dur="1" fill="hold">
+                                        <p:cTn id="12" dur="1" fill="hold">
                                           <p:stCondLst>
-                                            <p:cond delay="499"/>
+                                            <p:cond delay="0"/>
                                           </p:stCondLst>
                                         </p:cTn>
                                         <p:tgtEl>
-                                          <p:spTgt spid="7"/>
+                                          <p:spTgt spid="6"/>
                                         </p:tgtEl>
                                         <p:attrNameLst>
                                           <p:attrName>style.visibility</p:attrName>
                                         </p:attrNameLst>
                                       </p:cBhvr>
                                       <p:to>
-                                        <p:strVal val="hidden"/>
+                                        <p:strVal val="visible"/>
+                                      </p:to>
+                                    </p:set>
+                                  </p:childTnLst>
+                                </p:cTn>
+                              </p:par>
+                              <p:par>
+                                <p:cTn id="13" presetID="1" presetClass="entr" presetSubtype="0" fill="hold" nodeType="withEffect">
+                                  <p:stCondLst>
+                                    <p:cond delay="0"/>
+                                  </p:stCondLst>
+                                  <p:childTnLst>
+                                    <p:set>
+                                      <p:cBhvr>
+                                        <p:cTn id="14" dur="1" fill="hold">
+                                          <p:stCondLst>
+                                            <p:cond delay="0"/>
+                                          </p:stCondLst>
+                                        </p:cTn>
+                                        <p:tgtEl>
+                                          <p:spTgt spid="10"/>
+                                        </p:tgtEl>
+                                        <p:attrNameLst>
+                                          <p:attrName>style.visibility</p:attrName>
+                                        </p:attrNameLst>
+                                      </p:cBhvr>
+                                      <p:to>
+                                        <p:strVal val="visible"/>
                                       </p:to>
                                     </p:set>
                                   </p:childTnLst>
@@ -7197,8 +6130,8 @@
         </p:nvSpPr>
         <p:spPr>
           <a:xfrm>
-            <a:off x="285720" y="1714488"/>
-            <a:ext cx="3350597" cy="646331"/>
+            <a:off x="1176300" y="1808207"/>
+            <a:ext cx="3044423" cy="646331"/>
           </a:xfrm>
           <a:prstGeom prst="rect">
             <a:avLst/>
@@ -7212,20 +6145,16 @@
           <a:lstStyle/>
           <a:p>
             <a:r>
-              <a:rPr lang="ar-SA" dirty="0" smtClean="0"/>
-              <a:t>۞</a:t>
+              <a:rPr lang="sv-SE" dirty="0" err="1" smtClean="0"/>
+              <a:t>Planned</a:t>
             </a:r>
             <a:r>
               <a:rPr lang="sv-SE" dirty="0" smtClean="0"/>
               <a:t> </a:t>
             </a:r>
             <a:r>
-              <a:rPr lang="sv-SE" dirty="0" err="1" smtClean="0"/>
-              <a:t>Planned</a:t>
-            </a:r>
-            <a:r>
               <a:rPr lang="sv-SE" dirty="0" smtClean="0"/>
-              <a:t> time vs. </a:t>
+              <a:t>time vs. </a:t>
             </a:r>
             <a:r>
               <a:rPr lang="sv-SE" dirty="0" err="1" smtClean="0"/>
@@ -7249,8 +6178,8 @@
         </p:nvSpPr>
         <p:spPr>
           <a:xfrm>
-            <a:off x="285720" y="2273850"/>
-            <a:ext cx="5094664" cy="369332"/>
+            <a:off x="1133452" y="2631040"/>
+            <a:ext cx="4903907" cy="369332"/>
           </a:xfrm>
           <a:prstGeom prst="rect">
             <a:avLst/>
@@ -7264,20 +6193,20 @@
           <a:lstStyle/>
           <a:p>
             <a:r>
-              <a:rPr lang="ar-SA" dirty="0" smtClean="0"/>
-              <a:t>۞</a:t>
+              <a:rPr lang="sv-SE" dirty="0" err="1" smtClean="0"/>
+              <a:t>R</a:t>
+            </a:r>
+            <a:r>
+              <a:rPr lang="sv-SE" dirty="0" err="1" smtClean="0"/>
+              <a:t>equested</a:t>
             </a:r>
             <a:r>
               <a:rPr lang="sv-SE" dirty="0" smtClean="0"/>
               <a:t> </a:t>
             </a:r>
             <a:r>
-              <a:rPr lang="sv-SE" dirty="0" err="1" smtClean="0"/>
-              <a:t>Requested</a:t>
-            </a:r>
-            <a:r>
               <a:rPr lang="sv-SE" dirty="0" smtClean="0"/>
-              <a:t> features vs. </a:t>
+              <a:t>features vs. </a:t>
             </a:r>
             <a:r>
               <a:rPr lang="sv-SE" dirty="0" err="1" smtClean="0"/>
@@ -7293,7 +6222,7 @@
       </p:sp>
       <p:pic>
         <p:nvPicPr>
-          <p:cNvPr id="8" name="Picture 2" descr="\\filestorage1.bth.se\profile\rati10\Desktop\Keanu-Reeves-5.jpg"/>
+          <p:cNvPr id="2050" name="Picture 2" descr="\\filestorage1.bth.se\profile\cake10\Desktop\pacman-chart.gif"/>
           <p:cNvPicPr>
             <a:picLocks noChangeAspect="1" noChangeArrowheads="1"/>
           </p:cNvPicPr>
@@ -7308,13 +6237,115 @@
         </p:blipFill>
         <p:spPr bwMode="auto">
           <a:xfrm>
-            <a:off x="5429256" y="2786058"/>
-            <a:ext cx="2571768" cy="3463661"/>
+            <a:off x="5143504" y="3571876"/>
+            <a:ext cx="2857500" cy="2286000"/>
           </a:xfrm>
           <a:prstGeom prst="rect">
             <a:avLst/>
           </a:prstGeom>
           <a:noFill/>
+        </p:spPr>
+      </p:pic>
+      <p:pic>
+        <p:nvPicPr>
+          <p:cNvPr id="9" name="Picture 8" descr="pacman_cherries.gif"/>
+          <p:cNvPicPr>
+            <a:picLocks noChangeAspect="1"/>
+          </p:cNvPicPr>
+          <p:nvPr/>
+        </p:nvPicPr>
+        <p:blipFill>
+          <a:blip r:embed="rId3"/>
+          <a:stretch>
+            <a:fillRect/>
+          </a:stretch>
+        </p:blipFill>
+        <p:spPr>
+          <a:xfrm>
+            <a:off x="395272" y="1736769"/>
+            <a:ext cx="604828" cy="620661"/>
+          </a:xfrm>
+          <a:prstGeom prst="rect">
+            <a:avLst/>
+          </a:prstGeom>
+        </p:spPr>
+      </p:pic>
+      <p:pic>
+        <p:nvPicPr>
+          <p:cNvPr id="10" name="Picture 9" descr="pacman_cherries.gif"/>
+          <p:cNvPicPr>
+            <a:picLocks noChangeAspect="1"/>
+          </p:cNvPicPr>
+          <p:nvPr/>
+        </p:nvPicPr>
+        <p:blipFill>
+          <a:blip r:embed="rId3"/>
+          <a:stretch>
+            <a:fillRect/>
+          </a:stretch>
+        </p:blipFill>
+        <p:spPr>
+          <a:xfrm>
+            <a:off x="395272" y="2571744"/>
+            <a:ext cx="604828" cy="620661"/>
+          </a:xfrm>
+          <a:prstGeom prst="rect">
+            <a:avLst/>
+          </a:prstGeom>
+        </p:spPr>
+      </p:pic>
+      <p:sp>
+        <p:nvSpPr>
+          <p:cNvPr id="11" name="TextBox 10"/>
+          <p:cNvSpPr txBox="1"/>
+          <p:nvPr/>
+        </p:nvSpPr>
+        <p:spPr>
+          <a:xfrm>
+            <a:off x="1214414" y="3500438"/>
+            <a:ext cx="468398" cy="369332"/>
+          </a:xfrm>
+          <a:prstGeom prst="rect">
+            <a:avLst/>
+          </a:prstGeom>
+          <a:noFill/>
+        </p:spPr>
+        <p:txBody>
+          <a:bodyPr wrap="none" rtlCol="0">
+            <a:spAutoFit/>
+          </a:bodyPr>
+          <a:lstStyle/>
+          <a:p>
+            <a:r>
+              <a:rPr lang="sv-SE" dirty="0" smtClean="0"/>
+              <a:t>1.5</a:t>
+            </a:r>
+            <a:endParaRPr lang="sv-SE" dirty="0"/>
+          </a:p>
+        </p:txBody>
+      </p:sp>
+      <p:pic>
+        <p:nvPicPr>
+          <p:cNvPr id="12" name="Picture 11" descr="pacman_cherries.gif"/>
+          <p:cNvPicPr>
+            <a:picLocks noChangeAspect="1"/>
+          </p:cNvPicPr>
+          <p:nvPr/>
+        </p:nvPicPr>
+        <p:blipFill>
+          <a:blip r:embed="rId3"/>
+          <a:stretch>
+            <a:fillRect/>
+          </a:stretch>
+        </p:blipFill>
+        <p:spPr>
+          <a:xfrm>
+            <a:off x="395272" y="3451281"/>
+            <a:ext cx="604828" cy="620661"/>
+          </a:xfrm>
+          <a:prstGeom prst="rect">
+            <a:avLst/>
+          </a:prstGeom>
         </p:spPr>
       </p:pic>
     </p:spTree>
@@ -7343,7 +6374,7 @@
                             </p:stCondLst>
                             <p:childTnLst>
                               <p:par>
-                                <p:cTn id="5" presetID="2" presetClass="entr" presetSubtype="4" fill="hold" nodeType="clickEffect">
+                                <p:cTn id="5" presetID="1" presetClass="entr" presetSubtype="0" fill="hold" grpId="0" nodeType="clickEffect">
                                   <p:stCondLst>
                                     <p:cond delay="0"/>
                                   </p:stCondLst>
@@ -7351,97 +6382,6 @@
                                     <p:set>
                                       <p:cBhvr>
                                         <p:cTn id="6" dur="1" fill="hold">
-                                          <p:stCondLst>
-                                            <p:cond delay="0"/>
-                                          </p:stCondLst>
-                                        </p:cTn>
-                                        <p:tgtEl>
-                                          <p:spTgt spid="8"/>
-                                        </p:tgtEl>
-                                        <p:attrNameLst>
-                                          <p:attrName>style.visibility</p:attrName>
-                                        </p:attrNameLst>
-                                      </p:cBhvr>
-                                      <p:to>
-                                        <p:strVal val="visible"/>
-                                      </p:to>
-                                    </p:set>
-                                    <p:anim calcmode="lin" valueType="num">
-                                      <p:cBhvr additive="base">
-                                        <p:cTn id="7" dur="500" fill="hold"/>
-                                        <p:tgtEl>
-                                          <p:spTgt spid="8"/>
-                                        </p:tgtEl>
-                                        <p:attrNameLst>
-                                          <p:attrName>ppt_x</p:attrName>
-                                        </p:attrNameLst>
-                                      </p:cBhvr>
-                                      <p:tavLst>
-                                        <p:tav tm="0">
-                                          <p:val>
-                                            <p:strVal val="#ppt_x"/>
-                                          </p:val>
-                                        </p:tav>
-                                        <p:tav tm="100000">
-                                          <p:val>
-                                            <p:strVal val="#ppt_x"/>
-                                          </p:val>
-                                        </p:tav>
-                                      </p:tavLst>
-                                    </p:anim>
-                                    <p:anim calcmode="lin" valueType="num">
-                                      <p:cBhvr additive="base">
-                                        <p:cTn id="8" dur="500" fill="hold"/>
-                                        <p:tgtEl>
-                                          <p:spTgt spid="8"/>
-                                        </p:tgtEl>
-                                        <p:attrNameLst>
-                                          <p:attrName>ppt_y</p:attrName>
-                                        </p:attrNameLst>
-                                      </p:cBhvr>
-                                      <p:tavLst>
-                                        <p:tav tm="0">
-                                          <p:val>
-                                            <p:strVal val="1+#ppt_h/2"/>
-                                          </p:val>
-                                        </p:tav>
-                                        <p:tav tm="100000">
-                                          <p:val>
-                                            <p:strVal val="#ppt_y"/>
-                                          </p:val>
-                                        </p:tav>
-                                      </p:tavLst>
-                                    </p:anim>
-                                  </p:childTnLst>
-                                </p:cTn>
-                              </p:par>
-                            </p:childTnLst>
-                          </p:cTn>
-                        </p:par>
-                      </p:childTnLst>
-                    </p:cTn>
-                  </p:par>
-                  <p:par>
-                    <p:cTn id="9" fill="hold">
-                      <p:stCondLst>
-                        <p:cond delay="indefinite"/>
-                      </p:stCondLst>
-                      <p:childTnLst>
-                        <p:par>
-                          <p:cTn id="10" fill="hold">
-                            <p:stCondLst>
-                              <p:cond delay="0"/>
-                            </p:stCondLst>
-                            <p:childTnLst>
-                              <p:par>
-                                <p:cTn id="11" presetID="1" presetClass="entr" presetSubtype="0" fill="hold" grpId="0" nodeType="clickEffect">
-                                  <p:stCondLst>
-                                    <p:cond delay="0"/>
-                                  </p:stCondLst>
-                                  <p:childTnLst>
-                                    <p:set>
-                                      <p:cBhvr>
-                                        <p:cTn id="12" dur="1" fill="hold">
                                           <p:stCondLst>
                                             <p:cond delay="0"/>
                                           </p:stCondLst>
@@ -7460,354 +6400,8 @@
                                   </p:childTnLst>
                                 </p:cTn>
                               </p:par>
-                            </p:childTnLst>
-                          </p:cTn>
-                        </p:par>
-                      </p:childTnLst>
-                    </p:cTn>
-                  </p:par>
-                  <p:par>
-                    <p:cTn id="13" fill="hold">
-                      <p:stCondLst>
-                        <p:cond delay="indefinite"/>
-                      </p:stCondLst>
-                      <p:childTnLst>
-                        <p:par>
-                          <p:cTn id="14" fill="hold">
-                            <p:stCondLst>
-                              <p:cond delay="0"/>
-                            </p:stCondLst>
-                            <p:childTnLst>
                               <p:par>
-                                <p:cTn id="15" presetID="1" presetClass="entr" presetSubtype="0" fill="hold" grpId="0" nodeType="clickEffect">
-                                  <p:stCondLst>
-                                    <p:cond delay="0"/>
-                                  </p:stCondLst>
-                                  <p:childTnLst>
-                                    <p:set>
-                                      <p:cBhvr>
-                                        <p:cTn id="16" dur="1" fill="hold">
-                                          <p:stCondLst>
-                                            <p:cond delay="0"/>
-                                          </p:stCondLst>
-                                        </p:cTn>
-                                        <p:tgtEl>
-                                          <p:spTgt spid="7"/>
-                                        </p:tgtEl>
-                                        <p:attrNameLst>
-                                          <p:attrName>style.visibility</p:attrName>
-                                        </p:attrNameLst>
-                                      </p:cBhvr>
-                                      <p:to>
-                                        <p:strVal val="visible"/>
-                                      </p:to>
-                                    </p:set>
-                                  </p:childTnLst>
-                                </p:cTn>
-                              </p:par>
-                            </p:childTnLst>
-                          </p:cTn>
-                        </p:par>
-                      </p:childTnLst>
-                    </p:cTn>
-                  </p:par>
-                </p:childTnLst>
-              </p:cTn>
-              <p:prevCondLst>
-                <p:cond evt="onPrev" delay="0">
-                  <p:tgtEl>
-                    <p:sldTgt/>
-                  </p:tgtEl>
-                </p:cond>
-              </p:prevCondLst>
-              <p:nextCondLst>
-                <p:cond evt="onNext" delay="0">
-                  <p:tgtEl>
-                    <p:sldTgt/>
-                  </p:tgtEl>
-                </p:cond>
-              </p:nextCondLst>
-            </p:seq>
-          </p:childTnLst>
-        </p:cTn>
-      </p:par>
-    </p:tnLst>
-    <p:bldLst>
-      <p:bldP spid="6" grpId="0"/>
-      <p:bldP spid="7" grpId="0"/>
-    </p:bldLst>
-  </p:timing>
-</p:sld>
-</file>
-
-<file path=ppt/slides/slide8.xml><?xml version="1.0" encoding="utf-8"?>
-<p:sld xmlns:a="http://schemas.openxmlformats.org/drawingml/2006/main" xmlns:r="http://schemas.openxmlformats.org/officeDocument/2006/relationships" xmlns:p="http://schemas.openxmlformats.org/presentationml/2006/main">
-  <p:cSld>
-    <p:spTree>
-      <p:nvGrpSpPr>
-        <p:cNvPr id="1" name=""/>
-        <p:cNvGrpSpPr/>
-        <p:nvPr/>
-      </p:nvGrpSpPr>
-      <p:grpSpPr>
-        <a:xfrm>
-          <a:off x="0" y="0"/>
-          <a:ext cx="0" cy="0"/>
-          <a:chOff x="0" y="0"/>
-          <a:chExt cx="0" cy="0"/>
-        </a:xfrm>
-      </p:grpSpPr>
-      <p:sp>
-        <p:nvSpPr>
-          <p:cNvPr id="2" name="TextBox 1"/>
-          <p:cNvSpPr txBox="1"/>
-          <p:nvPr/>
-        </p:nvSpPr>
-        <p:spPr>
-          <a:xfrm>
-            <a:off x="0" y="428604"/>
-            <a:ext cx="1180131" cy="369332"/>
-          </a:xfrm>
-          <a:prstGeom prst="rect">
-            <a:avLst/>
-          </a:prstGeom>
-          <a:noFill/>
-        </p:spPr>
-        <p:txBody>
-          <a:bodyPr wrap="none" rtlCol="0">
-            <a:spAutoFit/>
-          </a:bodyPr>
-          <a:lstStyle/>
-          <a:p>
-            <a:r>
-              <a:rPr lang="sv-SE" dirty="0" err="1" smtClean="0"/>
-              <a:t>Summary</a:t>
-            </a:r>
-            <a:endParaRPr lang="sv-SE" dirty="0"/>
-          </a:p>
-        </p:txBody>
-      </p:sp>
-      <p:sp>
-        <p:nvSpPr>
-          <p:cNvPr id="3" name="TextBox 2"/>
-          <p:cNvSpPr txBox="1"/>
-          <p:nvPr/>
-        </p:nvSpPr>
-        <p:spPr>
-          <a:xfrm>
-            <a:off x="714348" y="1285860"/>
-            <a:ext cx="2719014" cy="369332"/>
-          </a:xfrm>
-          <a:prstGeom prst="rect">
-            <a:avLst/>
-          </a:prstGeom>
-          <a:noFill/>
-        </p:spPr>
-        <p:txBody>
-          <a:bodyPr wrap="none" rtlCol="0">
-            <a:spAutoFit/>
-          </a:bodyPr>
-          <a:lstStyle/>
-          <a:p>
-            <a:r>
-              <a:rPr lang="sv-SE" dirty="0" smtClean="0"/>
-              <a:t>Time </a:t>
-            </a:r>
-            <a:r>
-              <a:rPr lang="en-US" dirty="0" smtClean="0"/>
-              <a:t>estimates</a:t>
-            </a:r>
-            <a:r>
-              <a:rPr lang="sv-SE" dirty="0" smtClean="0"/>
-              <a:t> are </a:t>
-            </a:r>
-            <a:r>
-              <a:rPr lang="en-US" dirty="0" smtClean="0"/>
-              <a:t>hard</a:t>
-            </a:r>
-            <a:endParaRPr lang="en-US" dirty="0"/>
-          </a:p>
-        </p:txBody>
-      </p:sp>
-      <p:sp>
-        <p:nvSpPr>
-          <p:cNvPr id="4" name="Rectangle 3"/>
-          <p:cNvSpPr/>
-          <p:nvPr/>
-        </p:nvSpPr>
-        <p:spPr>
-          <a:xfrm>
-            <a:off x="285720" y="1285860"/>
-            <a:ext cx="434734" cy="369332"/>
-          </a:xfrm>
-          <a:prstGeom prst="rect">
-            <a:avLst/>
-          </a:prstGeom>
-        </p:spPr>
-        <p:txBody>
-          <a:bodyPr wrap="none">
-            <a:spAutoFit/>
-          </a:bodyPr>
-          <a:lstStyle/>
-          <a:p>
-            <a:r>
-              <a:rPr lang="ar-SA" dirty="0" smtClean="0"/>
-              <a:t>۞</a:t>
-            </a:r>
-            <a:endParaRPr lang="sv-SE" dirty="0"/>
-          </a:p>
-        </p:txBody>
-      </p:sp>
-      <p:sp>
-        <p:nvSpPr>
-          <p:cNvPr id="5" name="Rectangle 4"/>
-          <p:cNvSpPr/>
-          <p:nvPr/>
-        </p:nvSpPr>
-        <p:spPr>
-          <a:xfrm>
-            <a:off x="285720" y="1857364"/>
-            <a:ext cx="434734" cy="369332"/>
-          </a:xfrm>
-          <a:prstGeom prst="rect">
-            <a:avLst/>
-          </a:prstGeom>
-        </p:spPr>
-        <p:txBody>
-          <a:bodyPr wrap="none">
-            <a:spAutoFit/>
-          </a:bodyPr>
-          <a:lstStyle/>
-          <a:p>
-            <a:r>
-              <a:rPr lang="ar-SA" dirty="0" smtClean="0"/>
-              <a:t>۞</a:t>
-            </a:r>
-            <a:endParaRPr lang="sv-SE" dirty="0"/>
-          </a:p>
-        </p:txBody>
-      </p:sp>
-      <p:sp>
-        <p:nvSpPr>
-          <p:cNvPr id="7" name="TextBox 6"/>
-          <p:cNvSpPr txBox="1"/>
-          <p:nvPr/>
-        </p:nvSpPr>
-        <p:spPr>
-          <a:xfrm>
-            <a:off x="714348" y="1857364"/>
-            <a:ext cx="3381054" cy="369332"/>
-          </a:xfrm>
-          <a:prstGeom prst="rect">
-            <a:avLst/>
-          </a:prstGeom>
-          <a:noFill/>
-        </p:spPr>
-        <p:txBody>
-          <a:bodyPr wrap="none" rtlCol="0">
-            <a:spAutoFit/>
-          </a:bodyPr>
-          <a:lstStyle/>
-          <a:p>
-            <a:r>
-              <a:rPr lang="en-US" dirty="0" smtClean="0"/>
-              <a:t>Compromises</a:t>
-            </a:r>
-            <a:r>
-              <a:rPr lang="sv-SE" dirty="0" smtClean="0"/>
-              <a:t> are </a:t>
-            </a:r>
-            <a:r>
-              <a:rPr lang="en-US" dirty="0" smtClean="0"/>
-              <a:t>unavoidable</a:t>
-            </a:r>
-            <a:endParaRPr lang="en-US" dirty="0"/>
-          </a:p>
-        </p:txBody>
-      </p:sp>
-      <p:pic>
-        <p:nvPicPr>
-          <p:cNvPr id="10" name="Picture 2" descr="\\filestorage1.bth.se\profile\rati10\Desktop\Keanu-Reeves-5.jpg"/>
-          <p:cNvPicPr>
-            <a:picLocks noChangeAspect="1" noChangeArrowheads="1"/>
-          </p:cNvPicPr>
-          <p:nvPr/>
-        </p:nvPicPr>
-        <p:blipFill>
-          <a:blip r:embed="rId2"/>
-          <a:srcRect/>
-          <a:stretch>
-            <a:fillRect/>
-          </a:stretch>
-        </p:blipFill>
-        <p:spPr bwMode="auto">
-          <a:xfrm>
-            <a:off x="5143504" y="2643182"/>
-            <a:ext cx="2571768" cy="3463661"/>
-          </a:xfrm>
-          <a:prstGeom prst="rect">
-            <a:avLst/>
-          </a:prstGeom>
-          <a:noFill/>
-        </p:spPr>
-      </p:pic>
-    </p:spTree>
-  </p:cSld>
-  <p:clrMapOvr>
-    <a:masterClrMapping/>
-  </p:clrMapOvr>
-  <p:timing>
-    <p:tnLst>
-      <p:par>
-        <p:cTn id="1" dur="indefinite" restart="never" nodeType="tmRoot">
-          <p:childTnLst>
-            <p:seq concurrent="1" nextAc="seek">
-              <p:cTn id="2" dur="indefinite" nodeType="mainSeq">
-                <p:childTnLst>
-                  <p:par>
-                    <p:cTn id="3" fill="hold">
-                      <p:stCondLst>
-                        <p:cond delay="indefinite"/>
-                        <p:cond evt="onBegin" delay="0">
-                          <p:tn val="2"/>
-                        </p:cond>
-                      </p:stCondLst>
-                      <p:childTnLst>
-                        <p:par>
-                          <p:cTn id="4" fill="hold">
-                            <p:stCondLst>
-                              <p:cond delay="0"/>
-                            </p:stCondLst>
-                            <p:childTnLst>
-                              <p:par>
-                                <p:cTn id="5" presetID="1" presetClass="entr" presetSubtype="0" fill="hold" grpId="0" nodeType="withEffect">
-                                  <p:stCondLst>
-                                    <p:cond delay="3000"/>
-                                  </p:stCondLst>
-                                  <p:childTnLst>
-                                    <p:set>
-                                      <p:cBhvr>
-                                        <p:cTn id="6" dur="1" fill="hold">
-                                          <p:stCondLst>
-                                            <p:cond delay="0"/>
-                                          </p:stCondLst>
-                                        </p:cTn>
-                                        <p:tgtEl>
-                                          <p:spTgt spid="3"/>
-                                        </p:tgtEl>
-                                        <p:attrNameLst>
-                                          <p:attrName>style.visibility</p:attrName>
-                                        </p:attrNameLst>
-                                      </p:cBhvr>
-                                      <p:to>
-                                        <p:strVal val="visible"/>
-                                      </p:to>
-                                    </p:set>
-                                  </p:childTnLst>
-                                </p:cTn>
-                              </p:par>
-                              <p:par>
-                                <p:cTn id="7" presetID="1" presetClass="entr" presetSubtype="0" fill="hold" grpId="0" nodeType="withEffect">
+                                <p:cTn id="7" presetID="1" presetClass="entr" presetSubtype="0" fill="hold" nodeType="withEffect">
                                   <p:stCondLst>
                                     <p:cond delay="0"/>
                                   </p:stCondLst>
@@ -7820,7 +6414,7 @@
                                           </p:stCondLst>
                                         </p:cTn>
                                         <p:tgtEl>
-                                          <p:spTgt spid="4"/>
+                                          <p:spTgt spid="9"/>
                                         </p:tgtEl>
                                         <p:attrNameLst>
                                           <p:attrName>style.visibility</p:attrName>
@@ -7865,7 +6459,7 @@
                                           </p:stCondLst>
                                         </p:cTn>
                                         <p:tgtEl>
-                                          <p:spTgt spid="5"/>
+                                          <p:spTgt spid="7"/>
                                         </p:tgtEl>
                                         <p:attrNameLst>
                                           <p:attrName>style.visibility</p:attrName>
@@ -7879,7 +6473,7 @@
                                 </p:cTn>
                               </p:par>
                               <p:par>
-                                <p:cTn id="13" presetID="1" presetClass="entr" presetSubtype="0" fill="hold" grpId="0" nodeType="withEffect">
+                                <p:cTn id="13" presetID="1" presetClass="entr" presetSubtype="0" fill="hold" nodeType="withEffect">
                                   <p:stCondLst>
                                     <p:cond delay="0"/>
                                   </p:stCondLst>
@@ -7892,7 +6486,523 @@
                                           </p:stCondLst>
                                         </p:cTn>
                                         <p:tgtEl>
+                                          <p:spTgt spid="10"/>
+                                        </p:tgtEl>
+                                        <p:attrNameLst>
+                                          <p:attrName>style.visibility</p:attrName>
+                                        </p:attrNameLst>
+                                      </p:cBhvr>
+                                      <p:to>
+                                        <p:strVal val="visible"/>
+                                      </p:to>
+                                    </p:set>
+                                  </p:childTnLst>
+                                </p:cTn>
+                              </p:par>
+                            </p:childTnLst>
+                          </p:cTn>
+                        </p:par>
+                        <p:par>
+                          <p:cTn id="15" fill="hold">
+                            <p:stCondLst>
+                              <p:cond delay="0"/>
+                            </p:stCondLst>
+                            <p:childTnLst>
+                              <p:par>
+                                <p:cTn id="16" presetID="1" presetClass="entr" presetSubtype="0" fill="hold" grpId="0" nodeType="afterEffect">
+                                  <p:stCondLst>
+                                    <p:cond delay="0"/>
+                                  </p:stCondLst>
+                                  <p:childTnLst>
+                                    <p:set>
+                                      <p:cBhvr>
+                                        <p:cTn id="17" dur="1" fill="hold">
+                                          <p:stCondLst>
+                                            <p:cond delay="0"/>
+                                          </p:stCondLst>
+                                        </p:cTn>
+                                        <p:tgtEl>
+                                          <p:spTgt spid="11"/>
+                                        </p:tgtEl>
+                                        <p:attrNameLst>
+                                          <p:attrName>style.visibility</p:attrName>
+                                        </p:attrNameLst>
+                                      </p:cBhvr>
+                                      <p:to>
+                                        <p:strVal val="visible"/>
+                                      </p:to>
+                                    </p:set>
+                                  </p:childTnLst>
+                                </p:cTn>
+                              </p:par>
+                              <p:par>
+                                <p:cTn id="18" presetID="1" presetClass="entr" presetSubtype="0" fill="hold" nodeType="withEffect">
+                                  <p:stCondLst>
+                                    <p:cond delay="0"/>
+                                  </p:stCondLst>
+                                  <p:childTnLst>
+                                    <p:set>
+                                      <p:cBhvr>
+                                        <p:cTn id="19" dur="1" fill="hold">
+                                          <p:stCondLst>
+                                            <p:cond delay="0"/>
+                                          </p:stCondLst>
+                                        </p:cTn>
+                                        <p:tgtEl>
+                                          <p:spTgt spid="12"/>
+                                        </p:tgtEl>
+                                        <p:attrNameLst>
+                                          <p:attrName>style.visibility</p:attrName>
+                                        </p:attrNameLst>
+                                      </p:cBhvr>
+                                      <p:to>
+                                        <p:strVal val="visible"/>
+                                      </p:to>
+                                    </p:set>
+                                  </p:childTnLst>
+                                </p:cTn>
+                              </p:par>
+                            </p:childTnLst>
+                          </p:cTn>
+                        </p:par>
+                      </p:childTnLst>
+                    </p:cTn>
+                  </p:par>
+                </p:childTnLst>
+              </p:cTn>
+              <p:prevCondLst>
+                <p:cond evt="onPrev" delay="0">
+                  <p:tgtEl>
+                    <p:sldTgt/>
+                  </p:tgtEl>
+                </p:cond>
+              </p:prevCondLst>
+              <p:nextCondLst>
+                <p:cond evt="onNext" delay="0">
+                  <p:tgtEl>
+                    <p:sldTgt/>
+                  </p:tgtEl>
+                </p:cond>
+              </p:nextCondLst>
+            </p:seq>
+          </p:childTnLst>
+        </p:cTn>
+      </p:par>
+    </p:tnLst>
+    <p:bldLst>
+      <p:bldP spid="6" grpId="0"/>
+      <p:bldP spid="7" grpId="0"/>
+      <p:bldP spid="11" grpId="0"/>
+    </p:bldLst>
+  </p:timing>
+</p:sld>
+</file>
+
+<file path=ppt/slides/slide8.xml><?xml version="1.0" encoding="utf-8"?>
+<p:sld xmlns:a="http://schemas.openxmlformats.org/drawingml/2006/main" xmlns:r="http://schemas.openxmlformats.org/officeDocument/2006/relationships" xmlns:p="http://schemas.openxmlformats.org/presentationml/2006/main">
+  <p:cSld>
+    <p:spTree>
+      <p:nvGrpSpPr>
+        <p:cNvPr id="1" name=""/>
+        <p:cNvGrpSpPr/>
+        <p:nvPr/>
+      </p:nvGrpSpPr>
+      <p:grpSpPr>
+        <a:xfrm>
+          <a:off x="0" y="0"/>
+          <a:ext cx="0" cy="0"/>
+          <a:chOff x="0" y="0"/>
+          <a:chExt cx="0" cy="0"/>
+        </a:xfrm>
+      </p:grpSpPr>
+      <p:sp>
+        <p:nvSpPr>
+          <p:cNvPr id="2" name="TextBox 1"/>
+          <p:cNvSpPr txBox="1"/>
+          <p:nvPr/>
+        </p:nvSpPr>
+        <p:spPr>
+          <a:xfrm>
+            <a:off x="0" y="428604"/>
+            <a:ext cx="1180131" cy="369332"/>
+          </a:xfrm>
+          <a:prstGeom prst="rect">
+            <a:avLst/>
+          </a:prstGeom>
+          <a:noFill/>
+        </p:spPr>
+        <p:txBody>
+          <a:bodyPr wrap="none" rtlCol="0">
+            <a:spAutoFit/>
+          </a:bodyPr>
+          <a:lstStyle/>
+          <a:p>
+            <a:r>
+              <a:rPr lang="sv-SE" dirty="0" err="1" smtClean="0"/>
+              <a:t>Summary</a:t>
+            </a:r>
+            <a:endParaRPr lang="sv-SE" dirty="0"/>
+          </a:p>
+        </p:txBody>
+      </p:sp>
+      <p:sp>
+        <p:nvSpPr>
+          <p:cNvPr id="3" name="TextBox 2"/>
+          <p:cNvSpPr txBox="1"/>
+          <p:nvPr/>
+        </p:nvSpPr>
+        <p:spPr>
+          <a:xfrm>
+            <a:off x="1147346" y="1724627"/>
+            <a:ext cx="2719014" cy="369332"/>
+          </a:xfrm>
+          <a:prstGeom prst="rect">
+            <a:avLst/>
+          </a:prstGeom>
+          <a:noFill/>
+        </p:spPr>
+        <p:txBody>
+          <a:bodyPr wrap="none" rtlCol="0">
+            <a:spAutoFit/>
+          </a:bodyPr>
+          <a:lstStyle/>
+          <a:p>
+            <a:r>
+              <a:rPr lang="sv-SE" dirty="0" smtClean="0"/>
+              <a:t>Time </a:t>
+            </a:r>
+            <a:r>
+              <a:rPr lang="en-US" dirty="0" smtClean="0"/>
+              <a:t>estimates</a:t>
+            </a:r>
+            <a:r>
+              <a:rPr lang="sv-SE" dirty="0" smtClean="0"/>
+              <a:t> are </a:t>
+            </a:r>
+            <a:r>
+              <a:rPr lang="en-US" dirty="0" smtClean="0"/>
+              <a:t>hard</a:t>
+            </a:r>
+            <a:endParaRPr lang="en-US" dirty="0"/>
+          </a:p>
+        </p:txBody>
+      </p:sp>
+      <p:sp>
+        <p:nvSpPr>
+          <p:cNvPr id="7" name="TextBox 6"/>
+          <p:cNvSpPr txBox="1"/>
+          <p:nvPr/>
+        </p:nvSpPr>
+        <p:spPr>
+          <a:xfrm>
+            <a:off x="1142976" y="2631040"/>
+            <a:ext cx="3381054" cy="369332"/>
+          </a:xfrm>
+          <a:prstGeom prst="rect">
+            <a:avLst/>
+          </a:prstGeom>
+          <a:noFill/>
+        </p:spPr>
+        <p:txBody>
+          <a:bodyPr wrap="none" rtlCol="0">
+            <a:spAutoFit/>
+          </a:bodyPr>
+          <a:lstStyle/>
+          <a:p>
+            <a:r>
+              <a:rPr lang="en-US" dirty="0" smtClean="0"/>
+              <a:t>Compromises</a:t>
+            </a:r>
+            <a:r>
+              <a:rPr lang="sv-SE" dirty="0" smtClean="0"/>
+              <a:t> are </a:t>
+            </a:r>
+            <a:r>
+              <a:rPr lang="en-US" dirty="0" smtClean="0"/>
+              <a:t>unavoidable</a:t>
+            </a:r>
+            <a:endParaRPr lang="en-US" dirty="0"/>
+          </a:p>
+        </p:txBody>
+      </p:sp>
+      <p:pic>
+        <p:nvPicPr>
+          <p:cNvPr id="3074" name="Picture 2" descr="\\filestorage1.bth.se\profile\cake10\Desktop\ReevesAG18.jpg"/>
+          <p:cNvPicPr>
+            <a:picLocks noChangeAspect="1" noChangeArrowheads="1"/>
+          </p:cNvPicPr>
+          <p:nvPr/>
+        </p:nvPicPr>
+        <p:blipFill>
+          <a:blip r:embed="rId2"/>
+          <a:srcRect/>
+          <a:stretch>
+            <a:fillRect/>
+          </a:stretch>
+        </p:blipFill>
+        <p:spPr bwMode="auto">
+          <a:xfrm>
+            <a:off x="5143504" y="2143116"/>
+            <a:ext cx="2754313" cy="4278312"/>
+          </a:xfrm>
+          <a:prstGeom prst="rect">
+            <a:avLst/>
+          </a:prstGeom>
+          <a:noFill/>
+        </p:spPr>
+      </p:pic>
+      <p:pic>
+        <p:nvPicPr>
+          <p:cNvPr id="9" name="Picture 8" descr="pacman_cherries.gif"/>
+          <p:cNvPicPr>
+            <a:picLocks noChangeAspect="1"/>
+          </p:cNvPicPr>
+          <p:nvPr/>
+        </p:nvPicPr>
+        <p:blipFill>
+          <a:blip r:embed="rId3"/>
+          <a:stretch>
+            <a:fillRect/>
+          </a:stretch>
+        </p:blipFill>
+        <p:spPr>
+          <a:xfrm>
+            <a:off x="361528" y="2522587"/>
+            <a:ext cx="604828" cy="620661"/>
+          </a:xfrm>
+          <a:prstGeom prst="rect">
+            <a:avLst/>
+          </a:prstGeom>
+        </p:spPr>
+      </p:pic>
+      <p:pic>
+        <p:nvPicPr>
+          <p:cNvPr id="11" name="Picture 10" descr="pacman_cherries.gif"/>
+          <p:cNvPicPr>
+            <a:picLocks noChangeAspect="1"/>
+          </p:cNvPicPr>
+          <p:nvPr/>
+        </p:nvPicPr>
+        <p:blipFill>
+          <a:blip r:embed="rId3"/>
+          <a:stretch>
+            <a:fillRect/>
+          </a:stretch>
+        </p:blipFill>
+        <p:spPr>
+          <a:xfrm>
+            <a:off x="357158" y="1616174"/>
+            <a:ext cx="604828" cy="620661"/>
+          </a:xfrm>
+          <a:prstGeom prst="rect">
+            <a:avLst/>
+          </a:prstGeom>
+        </p:spPr>
+      </p:pic>
+      <p:sp>
+        <p:nvSpPr>
+          <p:cNvPr id="12" name="TextBox 11"/>
+          <p:cNvSpPr txBox="1"/>
+          <p:nvPr/>
+        </p:nvSpPr>
+        <p:spPr>
+          <a:xfrm>
+            <a:off x="1187184" y="3500438"/>
+            <a:ext cx="2456122" cy="369332"/>
+          </a:xfrm>
+          <a:prstGeom prst="rect">
+            <a:avLst/>
+          </a:prstGeom>
+          <a:noFill/>
+        </p:spPr>
+        <p:txBody>
+          <a:bodyPr wrap="none" rtlCol="0">
+            <a:spAutoFit/>
+          </a:bodyPr>
+          <a:lstStyle/>
+          <a:p>
+            <a:r>
+              <a:rPr lang="sv-SE" dirty="0" err="1" smtClean="0"/>
+              <a:t>Smiling</a:t>
+            </a:r>
+            <a:r>
+              <a:rPr lang="sv-SE" dirty="0" smtClean="0"/>
+              <a:t> </a:t>
+            </a:r>
+            <a:r>
+              <a:rPr lang="sv-SE" dirty="0" err="1" smtClean="0"/>
+              <a:t>Keanu</a:t>
+            </a:r>
+            <a:r>
+              <a:rPr lang="sv-SE" dirty="0" smtClean="0"/>
+              <a:t> Reeves</a:t>
+            </a:r>
+          </a:p>
+        </p:txBody>
+      </p:sp>
+      <p:pic>
+        <p:nvPicPr>
+          <p:cNvPr id="13" name="Picture 12" descr="pacman_cherries.gif"/>
+          <p:cNvPicPr>
+            <a:picLocks noChangeAspect="1"/>
+          </p:cNvPicPr>
+          <p:nvPr/>
+        </p:nvPicPr>
+        <p:blipFill>
+          <a:blip r:embed="rId3"/>
+          <a:stretch>
+            <a:fillRect/>
+          </a:stretch>
+        </p:blipFill>
+        <p:spPr>
+          <a:xfrm>
+            <a:off x="357158" y="3429000"/>
+            <a:ext cx="604828" cy="620661"/>
+          </a:xfrm>
+          <a:prstGeom prst="rect">
+            <a:avLst/>
+          </a:prstGeom>
+        </p:spPr>
+      </p:pic>
+    </p:spTree>
+  </p:cSld>
+  <p:clrMapOvr>
+    <a:masterClrMapping/>
+  </p:clrMapOvr>
+  <p:timing>
+    <p:tnLst>
+      <p:par>
+        <p:cTn id="1" dur="indefinite" restart="never" nodeType="tmRoot">
+          <p:childTnLst>
+            <p:seq concurrent="1" nextAc="seek">
+              <p:cTn id="2" dur="indefinite" nodeType="mainSeq">
+                <p:childTnLst>
+                  <p:par>
+                    <p:cTn id="3" fill="hold">
+                      <p:stCondLst>
+                        <p:cond delay="indefinite"/>
+                      </p:stCondLst>
+                      <p:childTnLst>
+                        <p:par>
+                          <p:cTn id="4" fill="hold">
+                            <p:stCondLst>
+                              <p:cond delay="0"/>
+                            </p:stCondLst>
+                            <p:childTnLst>
+                              <p:par>
+                                <p:cTn id="5" presetID="1" presetClass="entr" presetSubtype="0" fill="hold" grpId="0" nodeType="clickEffect">
+                                  <p:stCondLst>
+                                    <p:cond delay="0"/>
+                                  </p:stCondLst>
+                                  <p:childTnLst>
+                                    <p:set>
+                                      <p:cBhvr>
+                                        <p:cTn id="6" dur="1" fill="hold">
+                                          <p:stCondLst>
+                                            <p:cond delay="0"/>
+                                          </p:stCondLst>
+                                        </p:cTn>
+                                        <p:tgtEl>
+                                          <p:spTgt spid="3"/>
+                                        </p:tgtEl>
+                                        <p:attrNameLst>
+                                          <p:attrName>style.visibility</p:attrName>
+                                        </p:attrNameLst>
+                                      </p:cBhvr>
+                                      <p:to>
+                                        <p:strVal val="visible"/>
+                                      </p:to>
+                                    </p:set>
+                                  </p:childTnLst>
+                                </p:cTn>
+                              </p:par>
+                              <p:par>
+                                <p:cTn id="7" presetID="1" presetClass="entr" presetSubtype="0" fill="hold" nodeType="withEffect">
+                                  <p:stCondLst>
+                                    <p:cond delay="0"/>
+                                  </p:stCondLst>
+                                  <p:childTnLst>
+                                    <p:set>
+                                      <p:cBhvr>
+                                        <p:cTn id="8" dur="1" fill="hold">
+                                          <p:stCondLst>
+                                            <p:cond delay="0"/>
+                                          </p:stCondLst>
+                                        </p:cTn>
+                                        <p:tgtEl>
+                                          <p:spTgt spid="11"/>
+                                        </p:tgtEl>
+                                        <p:attrNameLst>
+                                          <p:attrName>style.visibility</p:attrName>
+                                        </p:attrNameLst>
+                                      </p:cBhvr>
+                                      <p:to>
+                                        <p:strVal val="visible"/>
+                                      </p:to>
+                                    </p:set>
+                                  </p:childTnLst>
+                                </p:cTn>
+                              </p:par>
+                            </p:childTnLst>
+                          </p:cTn>
+                        </p:par>
+                      </p:childTnLst>
+                    </p:cTn>
+                  </p:par>
+                  <p:par>
+                    <p:cTn id="9" fill="hold">
+                      <p:stCondLst>
+                        <p:cond delay="indefinite"/>
+                      </p:stCondLst>
+                      <p:childTnLst>
+                        <p:par>
+                          <p:cTn id="10" fill="hold">
+                            <p:stCondLst>
+                              <p:cond delay="0"/>
+                            </p:stCondLst>
+                            <p:childTnLst>
+                              <p:par>
+                                <p:cTn id="11" presetID="1" presetClass="entr" presetSubtype="0" fill="hold" grpId="0" nodeType="clickEffect">
+                                  <p:stCondLst>
+                                    <p:cond delay="0"/>
+                                  </p:stCondLst>
+                                  <p:childTnLst>
+                                    <p:set>
+                                      <p:cBhvr>
+                                        <p:cTn id="12" dur="1" fill="hold">
+                                          <p:stCondLst>
+                                            <p:cond delay="0"/>
+                                          </p:stCondLst>
+                                        </p:cTn>
+                                        <p:tgtEl>
                                           <p:spTgt spid="7"/>
+                                        </p:tgtEl>
+                                        <p:attrNameLst>
+                                          <p:attrName>style.visibility</p:attrName>
+                                        </p:attrNameLst>
+                                      </p:cBhvr>
+                                      <p:to>
+                                        <p:strVal val="visible"/>
+                                      </p:to>
+                                    </p:set>
+                                  </p:childTnLst>
+                                </p:cTn>
+                              </p:par>
+                              <p:par>
+                                <p:cTn id="13" presetID="1" presetClass="entr" presetSubtype="0" fill="hold" nodeType="withEffect">
+                                  <p:stCondLst>
+                                    <p:cond delay="0"/>
+                                  </p:stCondLst>
+                                  <p:childTnLst>
+                                    <p:set>
+                                      <p:cBhvr>
+                                        <p:cTn id="14" dur="1" fill="hold">
+                                          <p:stCondLst>
+                                            <p:cond delay="0"/>
+                                          </p:stCondLst>
+                                        </p:cTn>
+                                        <p:tgtEl>
+                                          <p:spTgt spid="9"/>
                                         </p:tgtEl>
                                         <p:attrNameLst>
                                           <p:attrName>style.visibility</p:attrName>
@@ -7924,124 +7034,56 @@
                             </p:stCondLst>
                             <p:childTnLst>
                               <p:par>
-                                <p:cTn id="17" presetID="14" presetClass="emph" presetSubtype="0" fill="hold" nodeType="clickEffect">
+                                <p:cTn id="17" presetID="1" presetClass="entr" presetSubtype="0" fill="hold" grpId="0" nodeType="clickEffect">
                                   <p:stCondLst>
                                     <p:cond delay="0"/>
                                   </p:stCondLst>
                                   <p:childTnLst>
-                                    <p:animClr clrSpc="rgb">
-                                      <p:cBhvr override="childStyle">
-                                        <p:cTn id="18" dur="1900" fill="hold">
-                                          <p:stCondLst>
-                                            <p:cond delay="100"/>
-                                          </p:stCondLst>
-                                        </p:cTn>
-                                        <p:tgtEl>
-                                          <p:spTgt spid="10"/>
-                                        </p:tgtEl>
-                                        <p:attrNameLst>
-                                          <p:attrName>style.color</p:attrName>
-                                        </p:attrNameLst>
-                                      </p:cBhvr>
-                                      <p:to>
-                                        <a:schemeClr val="accent2"/>
-                                      </p:to>
-                                    </p:animClr>
-                                    <p:animClr clrSpc="rgb">
-                                      <p:cBhvr>
-                                        <p:cTn id="19" dur="1900" fill="hold">
-                                          <p:stCondLst>
-                                            <p:cond delay="100"/>
-                                          </p:stCondLst>
-                                        </p:cTn>
-                                        <p:tgtEl>
-                                          <p:spTgt spid="10"/>
-                                        </p:tgtEl>
-                                        <p:attrNameLst>
-                                          <p:attrName>fillColor</p:attrName>
-                                        </p:attrNameLst>
-                                      </p:cBhvr>
-                                      <p:to>
-                                        <a:schemeClr val="accent2"/>
-                                      </p:to>
-                                    </p:animClr>
                                     <p:set>
                                       <p:cBhvr>
-                                        <p:cTn id="20" dur="1900" fill="hold">
-                                          <p:stCondLst>
-                                            <p:cond delay="100"/>
-                                          </p:stCondLst>
-                                        </p:cTn>
-                                        <p:tgtEl>
-                                          <p:spTgt spid="10"/>
-                                        </p:tgtEl>
-                                        <p:attrNameLst>
-                                          <p:attrName>fill.type</p:attrName>
-                                        </p:attrNameLst>
-                                      </p:cBhvr>
-                                      <p:to>
-                                        <p:strVal val="solid"/>
-                                      </p:to>
-                                    </p:set>
-                                    <p:set>
-                                      <p:cBhvr>
-                                        <p:cTn id="21" dur="1900" fill="hold">
-                                          <p:stCondLst>
-                                            <p:cond delay="100"/>
-                                          </p:stCondLst>
-                                        </p:cTn>
-                                        <p:tgtEl>
-                                          <p:spTgt spid="10"/>
-                                        </p:tgtEl>
-                                        <p:attrNameLst>
-                                          <p:attrName>fill.on</p:attrName>
-                                        </p:attrNameLst>
-                                      </p:cBhvr>
-                                      <p:to>
-                                        <p:strVal val="true"/>
-                                      </p:to>
-                                    </p:set>
-                                    <p:animScale>
-                                      <p:cBhvr>
-                                        <p:cTn id="22" dur="200" fill="hold">
+                                        <p:cTn id="18" dur="1" fill="hold">
                                           <p:stCondLst>
                                             <p:cond delay="0"/>
                                           </p:stCondLst>
                                         </p:cTn>
                                         <p:tgtEl>
-                                          <p:spTgt spid="10"/>
+                                          <p:spTgt spid="12"/>
                                         </p:tgtEl>
+                                        <p:attrNameLst>
+                                          <p:attrName>style.visibility</p:attrName>
+                                        </p:attrNameLst>
                                       </p:cBhvr>
-                                      <p:from x="100000" y="100000"/>
-                                      <p:to x="100000" y="5000"/>
-                                    </p:animScale>
-                                    <p:animScale>
+                                      <p:to>
+                                        <p:strVal val="visible"/>
+                                      </p:to>
+                                    </p:set>
+                                  </p:childTnLst>
+                                </p:cTn>
+                              </p:par>
+                              <p:par>
+                                <p:cTn id="19" presetID="1" presetClass="entr" presetSubtype="0" fill="hold" nodeType="withEffect">
+                                  <p:stCondLst>
+                                    <p:cond delay="0"/>
+                                  </p:stCondLst>
+                                  <p:childTnLst>
+                                    <p:set>
                                       <p:cBhvr>
-                                        <p:cTn id="23" dur="200" fill="hold">
+                                        <p:cTn id="20" dur="1" fill="hold">
                                           <p:stCondLst>
-                                            <p:cond delay="200"/>
+                                            <p:cond delay="0"/>
                                           </p:stCondLst>
                                         </p:cTn>
                                         <p:tgtEl>
-                                          <p:spTgt spid="10"/>
+                                          <p:spTgt spid="13"/>
                                         </p:tgtEl>
+                                        <p:attrNameLst>
+                                          <p:attrName>style.visibility</p:attrName>
+                                        </p:attrNameLst>
                                       </p:cBhvr>
-                                      <p:from x="100000" y="5000"/>
-                                      <p:to x="120000" y="150000"/>
-                                    </p:animScale>
-                                    <p:animScale>
-                                      <p:cBhvr>
-                                        <p:cTn id="24" dur="600" fill="hold">
-                                          <p:stCondLst>
-                                            <p:cond delay="1400"/>
-                                          </p:stCondLst>
-                                        </p:cTn>
-                                        <p:tgtEl>
-                                          <p:spTgt spid="10"/>
-                                        </p:tgtEl>
-                                      </p:cBhvr>
-                                      <p:to x="120000" y="150000"/>
-                                    </p:animScale>
+                                      <p:to>
+                                        <p:strVal val="visible"/>
+                                      </p:to>
+                                    </p:set>
                                   </p:childTnLst>
                                 </p:cTn>
                               </p:par>
@@ -8052,32 +7094,32 @@
                     </p:cTn>
                   </p:par>
                   <p:par>
-                    <p:cTn id="25" fill="hold">
+                    <p:cTn id="21" fill="hold">
                       <p:stCondLst>
                         <p:cond delay="indefinite"/>
                       </p:stCondLst>
                       <p:childTnLst>
                         <p:par>
-                          <p:cTn id="26" fill="hold">
+                          <p:cTn id="22" fill="hold">
                             <p:stCondLst>
                               <p:cond delay="0"/>
                             </p:stCondLst>
                             <p:childTnLst>
                               <p:par>
-                                <p:cTn id="27" presetID="5" presetClass="entr" presetSubtype="10" fill="hold" nodeType="clickEffect">
+                                <p:cTn id="23" presetID="1" presetClass="entr" presetSubtype="0" fill="hold" nodeType="clickEffect">
                                   <p:stCondLst>
                                     <p:cond delay="0"/>
                                   </p:stCondLst>
                                   <p:childTnLst>
                                     <p:set>
                                       <p:cBhvr>
-                                        <p:cTn id="28" dur="1" fill="hold">
+                                        <p:cTn id="24" dur="1" fill="hold">
                                           <p:stCondLst>
                                             <p:cond delay="0"/>
                                           </p:stCondLst>
                                         </p:cTn>
                                         <p:tgtEl>
-                                          <p:spTgt spid="10"/>
+                                          <p:spTgt spid="3074"/>
                                         </p:tgtEl>
                                         <p:attrNameLst>
                                           <p:attrName>style.visibility</p:attrName>
@@ -8087,14 +7129,6 @@
                                         <p:strVal val="visible"/>
                                       </p:to>
                                     </p:set>
-                                    <p:animEffect transition="in" filter="checkerboard(across)">
-                                      <p:cBhvr>
-                                        <p:cTn id="29" dur="500"/>
-                                        <p:tgtEl>
-                                          <p:spTgt spid="10"/>
-                                        </p:tgtEl>
-                                      </p:cBhvr>
-                                    </p:animEffect>
                                   </p:childTnLst>
                                 </p:cTn>
                               </p:par>
@@ -8127,9 +7161,8 @@
     </p:tnLst>
     <p:bldLst>
       <p:bldP spid="3" grpId="0"/>
-      <p:bldP spid="4" grpId="0"/>
-      <p:bldP spid="5" grpId="0"/>
       <p:bldP spid="7" grpId="0"/>
+      <p:bldP spid="12" grpId="0"/>
     </p:bldLst>
   </p:timing>
 </p:sld>
